--- a/CárdapioV3_Tunado-20230509T171111Z-001/DER Modelo Conceitual [Salvo automaticamente] (1).pptx
+++ b/CárdapioV3_Tunado-20230509T171111Z-001/DER Modelo Conceitual [Salvo automaticamente] (1).pptx
@@ -5,7 +5,7 @@
     <p:sldMasterId id="2147483648" r:id="rId1"/>
   </p:sldMasterIdLst>
   <p:notesMasterIdLst>
-    <p:notesMasterId r:id="rId27"/>
+    <p:notesMasterId r:id="rId25"/>
   </p:notesMasterIdLst>
   <p:sldIdLst>
     <p:sldId id="260" r:id="rId2"/>
@@ -19,20 +19,18 @@
     <p:sldId id="277" r:id="rId10"/>
     <p:sldId id="269" r:id="rId11"/>
     <p:sldId id="278" r:id="rId12"/>
-    <p:sldId id="270" r:id="rId13"/>
-    <p:sldId id="279" r:id="rId14"/>
-    <p:sldId id="271" r:id="rId15"/>
-    <p:sldId id="280" r:id="rId16"/>
-    <p:sldId id="272" r:id="rId17"/>
-    <p:sldId id="281" r:id="rId18"/>
-    <p:sldId id="273" r:id="rId19"/>
-    <p:sldId id="282" r:id="rId20"/>
-    <p:sldId id="274" r:id="rId21"/>
-    <p:sldId id="283" r:id="rId22"/>
-    <p:sldId id="275" r:id="rId23"/>
-    <p:sldId id="284" r:id="rId24"/>
-    <p:sldId id="276" r:id="rId25"/>
-    <p:sldId id="285" r:id="rId26"/>
+    <p:sldId id="271" r:id="rId13"/>
+    <p:sldId id="280" r:id="rId14"/>
+    <p:sldId id="272" r:id="rId15"/>
+    <p:sldId id="281" r:id="rId16"/>
+    <p:sldId id="273" r:id="rId17"/>
+    <p:sldId id="282" r:id="rId18"/>
+    <p:sldId id="274" r:id="rId19"/>
+    <p:sldId id="283" r:id="rId20"/>
+    <p:sldId id="275" r:id="rId21"/>
+    <p:sldId id="284" r:id="rId22"/>
+    <p:sldId id="276" r:id="rId23"/>
+    <p:sldId id="285" r:id="rId24"/>
   </p:sldIdLst>
   <p:sldSz cx="12192000" cy="6858000"/>
   <p:notesSz cx="6858000" cy="9144000"/>
@@ -221,7 +219,7 @@
           <a:p>
             <a:fld id="{90075476-0A5F-4725-AEDC-6B3686DF1DF9}" type="datetimeFigureOut">
               <a:rPr lang="pt-BR" smtClean="0"/>
-              <a:t>09/05/2023</a:t>
+              <a:t>10/05/2023</a:t>
             </a:fld>
             <a:endParaRPr lang="pt-BR" dirty="0"/>
           </a:p>
@@ -620,7 +618,7 @@
           <a:p>
             <a:fld id="{2CB57E7D-422E-4C11-AC48-44668C5C76E3}" type="datetimeFigureOut">
               <a:rPr lang="pt-BR" smtClean="0"/>
-              <a:t>09/05/2023</a:t>
+              <a:t>10/05/2023</a:t>
             </a:fld>
             <a:endParaRPr lang="pt-BR" dirty="0"/>
           </a:p>
@@ -790,7 +788,7 @@
           <a:p>
             <a:fld id="{2CB57E7D-422E-4C11-AC48-44668C5C76E3}" type="datetimeFigureOut">
               <a:rPr lang="pt-BR" smtClean="0"/>
-              <a:t>09/05/2023</a:t>
+              <a:t>10/05/2023</a:t>
             </a:fld>
             <a:endParaRPr lang="pt-BR" dirty="0"/>
           </a:p>
@@ -970,7 +968,7 @@
           <a:p>
             <a:fld id="{2CB57E7D-422E-4C11-AC48-44668C5C76E3}" type="datetimeFigureOut">
               <a:rPr lang="pt-BR" smtClean="0"/>
-              <a:t>09/05/2023</a:t>
+              <a:t>10/05/2023</a:t>
             </a:fld>
             <a:endParaRPr lang="pt-BR" dirty="0"/>
           </a:p>
@@ -1140,7 +1138,7 @@
           <a:p>
             <a:fld id="{2CB57E7D-422E-4C11-AC48-44668C5C76E3}" type="datetimeFigureOut">
               <a:rPr lang="pt-BR" smtClean="0"/>
-              <a:t>09/05/2023</a:t>
+              <a:t>10/05/2023</a:t>
             </a:fld>
             <a:endParaRPr lang="pt-BR" dirty="0"/>
           </a:p>
@@ -1386,7 +1384,7 @@
           <a:p>
             <a:fld id="{2CB57E7D-422E-4C11-AC48-44668C5C76E3}" type="datetimeFigureOut">
               <a:rPr lang="pt-BR" smtClean="0"/>
-              <a:t>09/05/2023</a:t>
+              <a:t>10/05/2023</a:t>
             </a:fld>
             <a:endParaRPr lang="pt-BR" dirty="0"/>
           </a:p>
@@ -1618,7 +1616,7 @@
           <a:p>
             <a:fld id="{2CB57E7D-422E-4C11-AC48-44668C5C76E3}" type="datetimeFigureOut">
               <a:rPr lang="pt-BR" smtClean="0"/>
-              <a:t>09/05/2023</a:t>
+              <a:t>10/05/2023</a:t>
             </a:fld>
             <a:endParaRPr lang="pt-BR" dirty="0"/>
           </a:p>
@@ -1985,7 +1983,7 @@
           <a:p>
             <a:fld id="{2CB57E7D-422E-4C11-AC48-44668C5C76E3}" type="datetimeFigureOut">
               <a:rPr lang="pt-BR" smtClean="0"/>
-              <a:t>09/05/2023</a:t>
+              <a:t>10/05/2023</a:t>
             </a:fld>
             <a:endParaRPr lang="pt-BR" dirty="0"/>
           </a:p>
@@ -2103,7 +2101,7 @@
           <a:p>
             <a:fld id="{2CB57E7D-422E-4C11-AC48-44668C5C76E3}" type="datetimeFigureOut">
               <a:rPr lang="pt-BR" smtClean="0"/>
-              <a:t>09/05/2023</a:t>
+              <a:t>10/05/2023</a:t>
             </a:fld>
             <a:endParaRPr lang="pt-BR" dirty="0"/>
           </a:p>
@@ -2198,7 +2196,7 @@
           <a:p>
             <a:fld id="{2CB57E7D-422E-4C11-AC48-44668C5C76E3}" type="datetimeFigureOut">
               <a:rPr lang="pt-BR" smtClean="0"/>
-              <a:t>09/05/2023</a:t>
+              <a:t>10/05/2023</a:t>
             </a:fld>
             <a:endParaRPr lang="pt-BR" dirty="0"/>
           </a:p>
@@ -2475,7 +2473,7 @@
           <a:p>
             <a:fld id="{2CB57E7D-422E-4C11-AC48-44668C5C76E3}" type="datetimeFigureOut">
               <a:rPr lang="pt-BR" smtClean="0"/>
-              <a:t>09/05/2023</a:t>
+              <a:t>10/05/2023</a:t>
             </a:fld>
             <a:endParaRPr lang="pt-BR" dirty="0"/>
           </a:p>
@@ -2728,7 +2726,7 @@
           <a:p>
             <a:fld id="{2CB57E7D-422E-4C11-AC48-44668C5C76E3}" type="datetimeFigureOut">
               <a:rPr lang="pt-BR" smtClean="0"/>
-              <a:t>09/05/2023</a:t>
+              <a:t>10/05/2023</a:t>
             </a:fld>
             <a:endParaRPr lang="pt-BR" dirty="0"/>
           </a:p>
@@ -2941,7 +2939,7 @@
           <a:p>
             <a:fld id="{2CB57E7D-422E-4C11-AC48-44668C5C76E3}" type="datetimeFigureOut">
               <a:rPr lang="pt-BR" smtClean="0"/>
-              <a:t>09/05/2023</a:t>
+              <a:t>10/05/2023</a:t>
             </a:fld>
             <a:endParaRPr lang="pt-BR" dirty="0"/>
           </a:p>
@@ -3431,54 +3429,13 @@
       </p:sp>
       <p:sp>
         <p:nvSpPr>
-          <p:cNvPr id="6" name="Retângulo 5"/>
-          <p:cNvSpPr/>
-          <p:nvPr/>
-        </p:nvSpPr>
-        <p:spPr>
-          <a:xfrm>
-            <a:off x="6084915" y="4836685"/>
-            <a:ext cx="1870364" cy="980902"/>
-          </a:xfrm>
-          <a:prstGeom prst="rect">
-            <a:avLst/>
-          </a:prstGeom>
-        </p:spPr>
-        <p:style>
-          <a:lnRef idx="2">
-            <a:schemeClr val="dk1"/>
-          </a:lnRef>
-          <a:fillRef idx="1">
-            <a:schemeClr val="lt1"/>
-          </a:fillRef>
-          <a:effectRef idx="0">
-            <a:schemeClr val="dk1"/>
-          </a:effectRef>
-          <a:fontRef idx="minor">
-            <a:schemeClr val="dk1"/>
-          </a:fontRef>
-        </p:style>
-        <p:txBody>
-          <a:bodyPr rtlCol="0" anchor="ctr"/>
-          <a:lstStyle/>
-          <a:p>
-            <a:pPr algn="ctr"/>
-            <a:r>
-              <a:rPr lang="pt-BR" dirty="0"/>
-              <a:t>FinalizarPedido</a:t>
-            </a:r>
-          </a:p>
-        </p:txBody>
-      </p:sp>
-      <p:sp>
-        <p:nvSpPr>
           <p:cNvPr id="7" name="Retângulo 6"/>
           <p:cNvSpPr/>
           <p:nvPr/>
         </p:nvSpPr>
         <p:spPr>
           <a:xfrm>
-            <a:off x="202274" y="1839884"/>
+            <a:off x="4619129" y="4262145"/>
             <a:ext cx="1870364" cy="980902"/>
           </a:xfrm>
           <a:prstGeom prst="rect">
@@ -3587,15 +3544,15 @@
         <p:nvCxnSpPr>
           <p:cNvPr id="12" name="Conector reto 11"/>
           <p:cNvCxnSpPr>
-            <a:stCxn id="7" idx="3"/>
-            <a:endCxn id="4" idx="1"/>
+            <a:stCxn id="7" idx="0"/>
+            <a:endCxn id="33" idx="2"/>
           </p:cNvCxnSpPr>
           <p:nvPr/>
         </p:nvCxnSpPr>
         <p:spPr>
-          <a:xfrm flipV="1">
-            <a:off x="2072638" y="2315608"/>
-            <a:ext cx="1027316" cy="14727"/>
+          <a:xfrm flipH="1" flipV="1">
+            <a:off x="4049195" y="3785209"/>
+            <a:ext cx="1505116" cy="476936"/>
           </a:xfrm>
           <a:prstGeom prst="line">
             <a:avLst/>
@@ -3681,46 +3638,6 @@
       </p:cxnSp>
       <p:sp>
         <p:nvSpPr>
-          <p:cNvPr id="29" name="Losango 28"/>
-          <p:cNvSpPr/>
-          <p:nvPr/>
-        </p:nvSpPr>
-        <p:spPr>
-          <a:xfrm>
-            <a:off x="2304878" y="2047702"/>
-            <a:ext cx="581890" cy="565266"/>
-          </a:xfrm>
-          <a:prstGeom prst="diamond">
-            <a:avLst/>
-          </a:prstGeom>
-        </p:spPr>
-        <p:style>
-          <a:lnRef idx="2">
-            <a:schemeClr val="accent1">
-              <a:shade val="50000"/>
-            </a:schemeClr>
-          </a:lnRef>
-          <a:fillRef idx="1">
-            <a:schemeClr val="accent1"/>
-          </a:fillRef>
-          <a:effectRef idx="0">
-            <a:schemeClr val="accent1"/>
-          </a:effectRef>
-          <a:fontRef idx="minor">
-            <a:schemeClr val="lt1"/>
-          </a:fontRef>
-        </p:style>
-        <p:txBody>
-          <a:bodyPr rtlCol="0" anchor="ctr"/>
-          <a:lstStyle/>
-          <a:p>
-            <a:pPr algn="ctr"/>
-            <a:endParaRPr lang="pt-BR" dirty="0"/>
-          </a:p>
-        </p:txBody>
-      </p:sp>
-      <p:sp>
-        <p:nvSpPr>
           <p:cNvPr id="30" name="Losango 29"/>
           <p:cNvSpPr/>
           <p:nvPr/>
@@ -3807,7 +3724,7 @@
         </p:nvSpPr>
         <p:spPr>
           <a:xfrm>
-            <a:off x="2025181" y="1917654"/>
+            <a:off x="4272749" y="4014427"/>
             <a:ext cx="301686" cy="369332"/>
           </a:xfrm>
           <a:prstGeom prst="rect">
@@ -3836,7 +3753,7 @@
         </p:nvSpPr>
         <p:spPr>
           <a:xfrm>
-            <a:off x="2792370" y="1931472"/>
+            <a:off x="4105876" y="2791255"/>
             <a:ext cx="333746" cy="369332"/>
           </a:xfrm>
           <a:prstGeom prst="rect">
@@ -3977,16 +3894,46 @@
           </a:p>
         </p:txBody>
       </p:sp>
-      <p:sp>
-        <p:nvSpPr>
-          <p:cNvPr id="45" name="Losango 44"/>
+      <p:cxnSp>
+        <p:nvCxnSpPr>
+          <p:cNvPr id="32" name="Conector reto 31"/>
+          <p:cNvCxnSpPr/>
+          <p:nvPr/>
+        </p:nvCxnSpPr>
+        <p:spPr>
+          <a:xfrm flipV="1">
+            <a:off x="6936828" y="2820787"/>
+            <a:ext cx="4873" cy="418214"/>
+          </a:xfrm>
+          <a:prstGeom prst="line">
+            <a:avLst/>
+          </a:prstGeom>
+        </p:spPr>
+        <p:style>
+          <a:lnRef idx="1">
+            <a:schemeClr val="accent1"/>
+          </a:lnRef>
+          <a:fillRef idx="0">
+            <a:schemeClr val="accent1"/>
+          </a:fillRef>
+          <a:effectRef idx="0">
+            <a:schemeClr val="accent1"/>
+          </a:effectRef>
+          <a:fontRef idx="minor">
+            <a:schemeClr val="tx1"/>
+          </a:fontRef>
+        </p:style>
+      </p:cxnSp>
+      <p:sp>
+        <p:nvSpPr>
+          <p:cNvPr id="33" name="Losango 32"/>
           <p:cNvSpPr/>
           <p:nvPr/>
         </p:nvSpPr>
         <p:spPr>
           <a:xfrm>
-            <a:off x="6646025" y="3523573"/>
-            <a:ext cx="748145" cy="581891"/>
+            <a:off x="3758250" y="3219943"/>
+            <a:ext cx="581890" cy="565266"/>
           </a:xfrm>
           <a:prstGeom prst="diamond">
             <a:avLst/>
@@ -4019,17 +3966,16 @@
       </p:sp>
       <p:cxnSp>
         <p:nvCxnSpPr>
-          <p:cNvPr id="47" name="Conector reto 46"/>
+          <p:cNvPr id="34" name="Conector reto 33"/>
           <p:cNvCxnSpPr>
-            <a:stCxn id="45" idx="0"/>
-            <a:endCxn id="8" idx="2"/>
+            <a:stCxn id="33" idx="0"/>
           </p:cNvCxnSpPr>
           <p:nvPr/>
         </p:nvCxnSpPr>
         <p:spPr>
           <a:xfrm flipV="1">
-            <a:off x="7020098" y="2820786"/>
-            <a:ext cx="0" cy="702787"/>
+            <a:off x="4049195" y="2794222"/>
+            <a:ext cx="1" cy="425721"/>
           </a:xfrm>
           <a:prstGeom prst="line">
             <a:avLst/>
@@ -4050,19 +3996,59 @@
           </a:fontRef>
         </p:style>
       </p:cxnSp>
+      <p:sp>
+        <p:nvSpPr>
+          <p:cNvPr id="38" name="Losango 37"/>
+          <p:cNvSpPr/>
+          <p:nvPr/>
+        </p:nvSpPr>
+        <p:spPr>
+          <a:xfrm>
+            <a:off x="6645883" y="3219943"/>
+            <a:ext cx="581890" cy="565266"/>
+          </a:xfrm>
+          <a:prstGeom prst="diamond">
+            <a:avLst/>
+          </a:prstGeom>
+        </p:spPr>
+        <p:style>
+          <a:lnRef idx="2">
+            <a:schemeClr val="accent1">
+              <a:shade val="50000"/>
+            </a:schemeClr>
+          </a:lnRef>
+          <a:fillRef idx="1">
+            <a:schemeClr val="accent1"/>
+          </a:fillRef>
+          <a:effectRef idx="0">
+            <a:schemeClr val="accent1"/>
+          </a:effectRef>
+          <a:fontRef idx="minor">
+            <a:schemeClr val="lt1"/>
+          </a:fontRef>
+        </p:style>
+        <p:txBody>
+          <a:bodyPr rtlCol="0" anchor="ctr"/>
+          <a:lstStyle/>
+          <a:p>
+            <a:pPr algn="ctr"/>
+            <a:endParaRPr lang="pt-BR" dirty="0"/>
+          </a:p>
+        </p:txBody>
+      </p:sp>
       <p:cxnSp>
         <p:nvCxnSpPr>
-          <p:cNvPr id="49" name="Conector reto 48"/>
+          <p:cNvPr id="39" name="Conector reto 38"/>
           <p:cNvCxnSpPr>
-            <a:stCxn id="45" idx="2"/>
-            <a:endCxn id="6" idx="0"/>
+            <a:stCxn id="7" idx="0"/>
+            <a:endCxn id="38" idx="2"/>
           </p:cNvCxnSpPr>
           <p:nvPr/>
         </p:nvCxnSpPr>
         <p:spPr>
-          <a:xfrm flipH="1">
-            <a:off x="7020097" y="4105464"/>
-            <a:ext cx="1" cy="731221"/>
+          <a:xfrm flipV="1">
+            <a:off x="5554311" y="3785209"/>
+            <a:ext cx="1382517" cy="476936"/>
           </a:xfrm>
           <a:prstGeom prst="line">
             <a:avLst/>
@@ -4085,14 +4071,14 @@
       </p:cxnSp>
       <p:sp>
         <p:nvSpPr>
-          <p:cNvPr id="51" name="CaixaDeTexto 50"/>
+          <p:cNvPr id="48" name="CaixaDeTexto 47"/>
           <p:cNvSpPr txBox="1"/>
           <p:nvPr/>
         </p:nvSpPr>
         <p:spPr>
           <a:xfrm>
-            <a:off x="7110611" y="4323154"/>
-            <a:ext cx="301686" cy="369332"/>
+            <a:off x="6534187" y="4014981"/>
+            <a:ext cx="333746" cy="369332"/>
           </a:xfrm>
           <a:prstGeom prst="rect">
             <a:avLst/>
@@ -4107,7 +4093,7 @@
           <a:p>
             <a:r>
               <a:rPr lang="pt-BR" dirty="0" smtClean="0"/>
-              <a:t>1</a:t>
+              <a:t>N</a:t>
             </a:r>
             <a:endParaRPr lang="pt-BR" dirty="0"/>
           </a:p>
@@ -4115,14 +4101,14 @@
       </p:sp>
       <p:sp>
         <p:nvSpPr>
-          <p:cNvPr id="52" name="CaixaDeTexto 51"/>
+          <p:cNvPr id="50" name="CaixaDeTexto 49"/>
           <p:cNvSpPr txBox="1"/>
           <p:nvPr/>
         </p:nvSpPr>
         <p:spPr>
           <a:xfrm>
-            <a:off x="7107955" y="2933892"/>
-            <a:ext cx="241070" cy="369332"/>
+            <a:off x="7032634" y="2817694"/>
+            <a:ext cx="251954" cy="369332"/>
           </a:xfrm>
           <a:prstGeom prst="rect">
             <a:avLst/>
@@ -4137,9 +4123,8 @@
           <a:p>
             <a:r>
               <a:rPr lang="pt-BR" dirty="0" smtClean="0"/>
-              <a:t>N</a:t>
-            </a:r>
-            <a:endParaRPr lang="pt-BR" dirty="0"/>
+              <a:t>1</a:t>
+            </a:r>
           </a:p>
         </p:txBody>
       </p:sp>
@@ -4190,19 +4175,40 @@
             <p:ph type="title"/>
           </p:nvPr>
         </p:nvSpPr>
-        <p:spPr/>
-        <p:txBody>
-          <a:bodyPr/>
+        <p:spPr>
+          <a:xfrm>
+            <a:off x="94593" y="0"/>
+            <a:ext cx="13074868" cy="1325563"/>
+          </a:xfrm>
+        </p:spPr>
+        <p:txBody>
+          <a:bodyPr>
+            <a:normAutofit/>
+          </a:bodyPr>
           <a:lstStyle/>
           <a:p>
             <a:r>
-              <a:rPr lang="pt-BR" dirty="0" smtClean="0">
+              <a:rPr lang="pt-BR" sz="3600" dirty="0" smtClean="0">
                 <a:latin typeface="Times New Roman" panose="02020603050405020304" pitchFamily="18" charset="0"/>
                 <a:cs typeface="Times New Roman" panose="02020603050405020304" pitchFamily="18" charset="0"/>
               </a:rPr>
-              <a:t>RN n.2 Botão “voltar”</a:t>
-            </a:r>
-            <a:endParaRPr lang="pt-BR" dirty="0">
+              <a:t>RN </a:t>
+            </a:r>
+            <a:r>
+              <a:rPr lang="pt-BR" sz="3600" dirty="0" smtClean="0">
+                <a:latin typeface="Times New Roman" panose="02020603050405020304" pitchFamily="18" charset="0"/>
+                <a:cs typeface="Times New Roman" panose="02020603050405020304" pitchFamily="18" charset="0"/>
+              </a:rPr>
+              <a:t>n.1 Caso de teste</a:t>
+            </a:r>
+            <a:r>
+              <a:rPr lang="pt-BR" sz="3600" dirty="0">
+                <a:latin typeface="Times New Roman" panose="02020603050405020304" pitchFamily="18" charset="0"/>
+                <a:cs typeface="Times New Roman" panose="02020603050405020304" pitchFamily="18" charset="0"/>
+              </a:rPr>
+              <a:t>, Categorias,  produtos e Adicionar Pedido</a:t>
+            </a:r>
+            <a:endParaRPr lang="pt-BR" sz="3600" dirty="0">
               <a:latin typeface="Times New Roman" panose="02020603050405020304" pitchFamily="18" charset="0"/>
               <a:cs typeface="Times New Roman" panose="02020603050405020304" pitchFamily="18" charset="0"/>
             </a:endParaRPr>
@@ -4219,47 +4225,519 @@
             <p:ph idx="1"/>
           </p:nvPr>
         </p:nvSpPr>
-        <p:spPr/>
-        <p:txBody>
-          <a:bodyPr/>
+        <p:spPr>
+          <a:xfrm>
+            <a:off x="302172" y="1490992"/>
+            <a:ext cx="4784835" cy="4351338"/>
+          </a:xfrm>
+        </p:spPr>
+        <p:txBody>
+          <a:bodyPr>
+            <a:normAutofit lnSpcReduction="10000"/>
+          </a:bodyPr>
           <a:lstStyle/>
           <a:p>
-            <a:r>
-              <a:rPr lang="pt-BR" dirty="0" smtClean="0">
+            <a:pPr marL="0" indent="0">
+              <a:buNone/>
+            </a:pPr>
+            <a:r>
+              <a:rPr lang="pt-BR" sz="1100" dirty="0">
                 <a:latin typeface="Times New Roman" panose="02020603050405020304" pitchFamily="18" charset="0"/>
                 <a:cs typeface="Times New Roman" panose="02020603050405020304" pitchFamily="18" charset="0"/>
               </a:rPr>
-              <a:t>Botão designado para a pessoa que </a:t>
-            </a:r>
-            <a:r>
-              <a:rPr lang="pt-BR" dirty="0" smtClean="0">
+              <a:t>Identificação: </a:t>
+            </a:r>
+          </a:p>
+          <a:p>
+            <a:pPr marL="0" indent="0">
+              <a:buNone/>
+            </a:pPr>
+            <a:r>
+              <a:rPr lang="pt-BR" sz="1100" dirty="0">
                 <a:latin typeface="Times New Roman" panose="02020603050405020304" pitchFamily="18" charset="0"/>
                 <a:cs typeface="Times New Roman" panose="02020603050405020304" pitchFamily="18" charset="0"/>
               </a:rPr>
-              <a:t>esta </a:t>
-            </a:r>
-            <a:r>
-              <a:rPr lang="pt-BR" dirty="0" smtClean="0">
+              <a:t>Nome: Teste de adicionar pedido </a:t>
+            </a:r>
+          </a:p>
+          <a:p>
+            <a:pPr marL="0" indent="0">
+              <a:buNone/>
+            </a:pPr>
+            <a:r>
+              <a:rPr lang="pt-BR" sz="1100" dirty="0">
                 <a:latin typeface="Times New Roman" panose="02020603050405020304" pitchFamily="18" charset="0"/>
                 <a:cs typeface="Times New Roman" panose="02020603050405020304" pitchFamily="18" charset="0"/>
               </a:rPr>
-              <a:t>navegando </a:t>
-            </a:r>
-            <a:r>
-              <a:rPr lang="pt-BR" dirty="0" smtClean="0">
+              <a:t>ID: RN n.1 </a:t>
+            </a:r>
+          </a:p>
+          <a:p>
+            <a:pPr marL="0" indent="0">
+              <a:buNone/>
+            </a:pPr>
+            <a:r>
+              <a:rPr lang="pt-BR" sz="1100" dirty="0">
                 <a:latin typeface="Times New Roman" panose="02020603050405020304" pitchFamily="18" charset="0"/>
                 <a:cs typeface="Times New Roman" panose="02020603050405020304" pitchFamily="18" charset="0"/>
               </a:rPr>
-              <a:t>no site </a:t>
-            </a:r>
-            <a:r>
-              <a:rPr lang="pt-BR" dirty="0" smtClean="0">
+              <a:t>Data de criação: 05/05/2023 14:15 PM.</a:t>
+            </a:r>
+          </a:p>
+          <a:p>
+            <a:pPr marL="0" indent="0">
+              <a:buNone/>
+            </a:pPr>
+            <a:r>
+              <a:rPr lang="pt-BR" sz="1100" dirty="0">
                 <a:latin typeface="Times New Roman" panose="02020603050405020304" pitchFamily="18" charset="0"/>
                 <a:cs typeface="Times New Roman" panose="02020603050405020304" pitchFamily="18" charset="0"/>
               </a:rPr>
-              <a:t>voltar a pagina anterior com mais facilidade sem ter que voltar a pagina pelo navegador.</a:t>
-            </a:r>
-            <a:endParaRPr lang="pt-BR" dirty="0">
+              <a:t>Autor: Pedro </a:t>
+            </a:r>
+            <a:r>
+              <a:rPr lang="pt-BR" sz="1100" dirty="0" smtClean="0">
+                <a:latin typeface="Times New Roman" panose="02020603050405020304" pitchFamily="18" charset="0"/>
+                <a:cs typeface="Times New Roman" panose="02020603050405020304" pitchFamily="18" charset="0"/>
+              </a:rPr>
+              <a:t>Marcelo</a:t>
+            </a:r>
+          </a:p>
+          <a:p>
+            <a:pPr marL="0" indent="0">
+              <a:buNone/>
+            </a:pPr>
+            <a:endParaRPr lang="pt-BR" sz="1100" dirty="0">
+              <a:latin typeface="Times New Roman" panose="02020603050405020304" pitchFamily="18" charset="0"/>
+              <a:cs typeface="Times New Roman" panose="02020603050405020304" pitchFamily="18" charset="0"/>
+            </a:endParaRPr>
+          </a:p>
+          <a:p>
+            <a:pPr marL="0" indent="0">
+              <a:buNone/>
+            </a:pPr>
+            <a:r>
+              <a:rPr lang="pt-BR" sz="1100" dirty="0">
+                <a:latin typeface="Times New Roman" panose="02020603050405020304" pitchFamily="18" charset="0"/>
+                <a:cs typeface="Times New Roman" panose="02020603050405020304" pitchFamily="18" charset="0"/>
+              </a:rPr>
+              <a:t>Descrição: caso de teste para confirmar um produto no carrinho de compras</a:t>
+            </a:r>
+          </a:p>
+          <a:p>
+            <a:pPr marL="0" indent="0">
+              <a:buNone/>
+            </a:pPr>
+            <a:r>
+              <a:rPr lang="pt-BR" sz="1100" dirty="0">
+                <a:latin typeface="Times New Roman" panose="02020603050405020304" pitchFamily="18" charset="0"/>
+                <a:cs typeface="Times New Roman" panose="02020603050405020304" pitchFamily="18" charset="0"/>
+              </a:rPr>
+              <a:t> Pré-requisitos:</a:t>
+            </a:r>
+          </a:p>
+          <a:p>
+            <a:pPr marL="0" indent="0">
+              <a:buNone/>
+            </a:pPr>
+            <a:endParaRPr lang="pt-BR" sz="1100" dirty="0">
+              <a:latin typeface="Times New Roman" panose="02020603050405020304" pitchFamily="18" charset="0"/>
+              <a:cs typeface="Times New Roman" panose="02020603050405020304" pitchFamily="18" charset="0"/>
+            </a:endParaRPr>
+          </a:p>
+          <a:p>
+            <a:pPr marL="0" indent="0">
+              <a:buNone/>
+            </a:pPr>
+            <a:r>
+              <a:rPr lang="pt-BR" sz="1100" dirty="0">
+                <a:latin typeface="Times New Roman" panose="02020603050405020304" pitchFamily="18" charset="0"/>
+                <a:cs typeface="Times New Roman" panose="02020603050405020304" pitchFamily="18" charset="0"/>
+              </a:rPr>
+              <a:t>1.Acesso ao cardápio da empresa selecionada</a:t>
+            </a:r>
+          </a:p>
+          <a:p>
+            <a:pPr marL="0" indent="0">
+              <a:buNone/>
+            </a:pPr>
+            <a:endParaRPr lang="pt-BR" sz="1100" dirty="0">
+              <a:latin typeface="Times New Roman" panose="02020603050405020304" pitchFamily="18" charset="0"/>
+              <a:cs typeface="Times New Roman" panose="02020603050405020304" pitchFamily="18" charset="0"/>
+            </a:endParaRPr>
+          </a:p>
+          <a:p>
+            <a:pPr marL="0" indent="0">
+              <a:buNone/>
+            </a:pPr>
+            <a:r>
+              <a:rPr lang="pt-BR" sz="1100" dirty="0">
+                <a:latin typeface="Times New Roman" panose="02020603050405020304" pitchFamily="18" charset="0"/>
+                <a:cs typeface="Times New Roman" panose="02020603050405020304" pitchFamily="18" charset="0"/>
+              </a:rPr>
+              <a:t>Etapas de teste:</a:t>
+            </a:r>
+          </a:p>
+          <a:p>
+            <a:pPr marL="0" indent="0">
+              <a:buNone/>
+            </a:pPr>
+            <a:r>
+              <a:rPr lang="pt-BR" sz="1100" dirty="0">
+                <a:latin typeface="Times New Roman" panose="02020603050405020304" pitchFamily="18" charset="0"/>
+                <a:cs typeface="Times New Roman" panose="02020603050405020304" pitchFamily="18" charset="0"/>
+              </a:rPr>
+              <a:t>1.acesso a tela principal do cardápio</a:t>
+            </a:r>
+          </a:p>
+          <a:p>
+            <a:pPr marL="0" indent="0">
+              <a:buNone/>
+            </a:pPr>
+            <a:r>
+              <a:rPr lang="pt-BR" sz="1100" dirty="0">
+                <a:latin typeface="Times New Roman" panose="02020603050405020304" pitchFamily="18" charset="0"/>
+                <a:cs typeface="Times New Roman" panose="02020603050405020304" pitchFamily="18" charset="0"/>
+              </a:rPr>
+              <a:t>2.Selecionar a categoria desejada</a:t>
+            </a:r>
+          </a:p>
+          <a:p>
+            <a:pPr marL="0" indent="0">
+              <a:buNone/>
+            </a:pPr>
+            <a:r>
+              <a:rPr lang="pt-BR" sz="1100" dirty="0">
+                <a:latin typeface="Times New Roman" panose="02020603050405020304" pitchFamily="18" charset="0"/>
+                <a:cs typeface="Times New Roman" panose="02020603050405020304" pitchFamily="18" charset="0"/>
+              </a:rPr>
+              <a:t>3.escolher o produto e quantidade desejado a partir da lista de produtos disponíveis</a:t>
+            </a:r>
+          </a:p>
+          <a:p>
+            <a:pPr marL="0" indent="0">
+              <a:buNone/>
+            </a:pPr>
+            <a:r>
+              <a:rPr lang="pt-BR" sz="1100" dirty="0">
+                <a:latin typeface="Times New Roman" panose="02020603050405020304" pitchFamily="18" charset="0"/>
+                <a:cs typeface="Times New Roman" panose="02020603050405020304" pitchFamily="18" charset="0"/>
+              </a:rPr>
+              <a:t>4.cliclar no botão “adicionar pedido”</a:t>
+            </a:r>
+          </a:p>
+          <a:p>
+            <a:pPr marL="0" indent="0">
+              <a:buNone/>
+            </a:pPr>
+            <a:endParaRPr lang="pt-BR" sz="1000" dirty="0">
+              <a:latin typeface="Times New Roman" panose="02020603050405020304" pitchFamily="18" charset="0"/>
+              <a:cs typeface="Times New Roman" panose="02020603050405020304" pitchFamily="18" charset="0"/>
+            </a:endParaRPr>
+          </a:p>
+        </p:txBody>
+      </p:sp>
+      <p:sp>
+        <p:nvSpPr>
+          <p:cNvPr id="4" name="Espaço Reservado para Conteúdo 2"/>
+          <p:cNvSpPr txBox="1">
+            <a:spLocks/>
+          </p:cNvSpPr>
+          <p:nvPr/>
+        </p:nvSpPr>
+        <p:spPr>
+          <a:xfrm>
+            <a:off x="6032937" y="1489515"/>
+            <a:ext cx="4784835" cy="4351338"/>
+          </a:xfrm>
+          <a:prstGeom prst="rect">
+            <a:avLst/>
+          </a:prstGeom>
+        </p:spPr>
+        <p:txBody>
+          <a:bodyPr vert="horz" lIns="91440" tIns="45720" rIns="91440" bIns="45720" rtlCol="0">
+            <a:normAutofit/>
+          </a:bodyPr>
+          <a:lstStyle>
+            <a:lvl1pPr marL="228600" indent="-228600" algn="l" defTabSz="914400" rtl="0" eaLnBrk="1" latinLnBrk="0" hangingPunct="1">
+              <a:lnSpc>
+                <a:spcPct val="90000"/>
+              </a:lnSpc>
+              <a:spcBef>
+                <a:spcPts val="1000"/>
+              </a:spcBef>
+              <a:buFont typeface="Arial" panose="020B0604020202020204" pitchFamily="34" charset="0"/>
+              <a:buChar char="•"/>
+              <a:defRPr sz="2800" kern="1200">
+                <a:solidFill>
+                  <a:schemeClr val="tx1"/>
+                </a:solidFill>
+                <a:latin typeface="+mn-lt"/>
+                <a:ea typeface="+mn-ea"/>
+                <a:cs typeface="+mn-cs"/>
+              </a:defRPr>
+            </a:lvl1pPr>
+            <a:lvl2pPr marL="685800" indent="-228600" algn="l" defTabSz="914400" rtl="0" eaLnBrk="1" latinLnBrk="0" hangingPunct="1">
+              <a:lnSpc>
+                <a:spcPct val="90000"/>
+              </a:lnSpc>
+              <a:spcBef>
+                <a:spcPts val="500"/>
+              </a:spcBef>
+              <a:buFont typeface="Arial" panose="020B0604020202020204" pitchFamily="34" charset="0"/>
+              <a:buChar char="•"/>
+              <a:defRPr sz="2400" kern="1200">
+                <a:solidFill>
+                  <a:schemeClr val="tx1"/>
+                </a:solidFill>
+                <a:latin typeface="+mn-lt"/>
+                <a:ea typeface="+mn-ea"/>
+                <a:cs typeface="+mn-cs"/>
+              </a:defRPr>
+            </a:lvl2pPr>
+            <a:lvl3pPr marL="1143000" indent="-228600" algn="l" defTabSz="914400" rtl="0" eaLnBrk="1" latinLnBrk="0" hangingPunct="1">
+              <a:lnSpc>
+                <a:spcPct val="90000"/>
+              </a:lnSpc>
+              <a:spcBef>
+                <a:spcPts val="500"/>
+              </a:spcBef>
+              <a:buFont typeface="Arial" panose="020B0604020202020204" pitchFamily="34" charset="0"/>
+              <a:buChar char="•"/>
+              <a:defRPr sz="2000" kern="1200">
+                <a:solidFill>
+                  <a:schemeClr val="tx1"/>
+                </a:solidFill>
+                <a:latin typeface="+mn-lt"/>
+                <a:ea typeface="+mn-ea"/>
+                <a:cs typeface="+mn-cs"/>
+              </a:defRPr>
+            </a:lvl3pPr>
+            <a:lvl4pPr marL="1600200" indent="-228600" algn="l" defTabSz="914400" rtl="0" eaLnBrk="1" latinLnBrk="0" hangingPunct="1">
+              <a:lnSpc>
+                <a:spcPct val="90000"/>
+              </a:lnSpc>
+              <a:spcBef>
+                <a:spcPts val="500"/>
+              </a:spcBef>
+              <a:buFont typeface="Arial" panose="020B0604020202020204" pitchFamily="34" charset="0"/>
+              <a:buChar char="•"/>
+              <a:defRPr sz="1800" kern="1200">
+                <a:solidFill>
+                  <a:schemeClr val="tx1"/>
+                </a:solidFill>
+                <a:latin typeface="+mn-lt"/>
+                <a:ea typeface="+mn-ea"/>
+                <a:cs typeface="+mn-cs"/>
+              </a:defRPr>
+            </a:lvl4pPr>
+            <a:lvl5pPr marL="2057400" indent="-228600" algn="l" defTabSz="914400" rtl="0" eaLnBrk="1" latinLnBrk="0" hangingPunct="1">
+              <a:lnSpc>
+                <a:spcPct val="90000"/>
+              </a:lnSpc>
+              <a:spcBef>
+                <a:spcPts val="500"/>
+              </a:spcBef>
+              <a:buFont typeface="Arial" panose="020B0604020202020204" pitchFamily="34" charset="0"/>
+              <a:buChar char="•"/>
+              <a:defRPr sz="1800" kern="1200">
+                <a:solidFill>
+                  <a:schemeClr val="tx1"/>
+                </a:solidFill>
+                <a:latin typeface="+mn-lt"/>
+                <a:ea typeface="+mn-ea"/>
+                <a:cs typeface="+mn-cs"/>
+              </a:defRPr>
+            </a:lvl5pPr>
+            <a:lvl6pPr marL="2514600" indent="-228600" algn="l" defTabSz="914400" rtl="0" eaLnBrk="1" latinLnBrk="0" hangingPunct="1">
+              <a:lnSpc>
+                <a:spcPct val="90000"/>
+              </a:lnSpc>
+              <a:spcBef>
+                <a:spcPts val="500"/>
+              </a:spcBef>
+              <a:buFont typeface="Arial" panose="020B0604020202020204" pitchFamily="34" charset="0"/>
+              <a:buChar char="•"/>
+              <a:defRPr sz="1800" kern="1200">
+                <a:solidFill>
+                  <a:schemeClr val="tx1"/>
+                </a:solidFill>
+                <a:latin typeface="+mn-lt"/>
+                <a:ea typeface="+mn-ea"/>
+                <a:cs typeface="+mn-cs"/>
+              </a:defRPr>
+            </a:lvl6pPr>
+            <a:lvl7pPr marL="2971800" indent="-228600" algn="l" defTabSz="914400" rtl="0" eaLnBrk="1" latinLnBrk="0" hangingPunct="1">
+              <a:lnSpc>
+                <a:spcPct val="90000"/>
+              </a:lnSpc>
+              <a:spcBef>
+                <a:spcPts val="500"/>
+              </a:spcBef>
+              <a:buFont typeface="Arial" panose="020B0604020202020204" pitchFamily="34" charset="0"/>
+              <a:buChar char="•"/>
+              <a:defRPr sz="1800" kern="1200">
+                <a:solidFill>
+                  <a:schemeClr val="tx1"/>
+                </a:solidFill>
+                <a:latin typeface="+mn-lt"/>
+                <a:ea typeface="+mn-ea"/>
+                <a:cs typeface="+mn-cs"/>
+              </a:defRPr>
+            </a:lvl7pPr>
+            <a:lvl8pPr marL="3429000" indent="-228600" algn="l" defTabSz="914400" rtl="0" eaLnBrk="1" latinLnBrk="0" hangingPunct="1">
+              <a:lnSpc>
+                <a:spcPct val="90000"/>
+              </a:lnSpc>
+              <a:spcBef>
+                <a:spcPts val="500"/>
+              </a:spcBef>
+              <a:buFont typeface="Arial" panose="020B0604020202020204" pitchFamily="34" charset="0"/>
+              <a:buChar char="•"/>
+              <a:defRPr sz="1800" kern="1200">
+                <a:solidFill>
+                  <a:schemeClr val="tx1"/>
+                </a:solidFill>
+                <a:latin typeface="+mn-lt"/>
+                <a:ea typeface="+mn-ea"/>
+                <a:cs typeface="+mn-cs"/>
+              </a:defRPr>
+            </a:lvl8pPr>
+            <a:lvl9pPr marL="3886200" indent="-228600" algn="l" defTabSz="914400" rtl="0" eaLnBrk="1" latinLnBrk="0" hangingPunct="1">
+              <a:lnSpc>
+                <a:spcPct val="90000"/>
+              </a:lnSpc>
+              <a:spcBef>
+                <a:spcPts val="500"/>
+              </a:spcBef>
+              <a:buFont typeface="Arial" panose="020B0604020202020204" pitchFamily="34" charset="0"/>
+              <a:buChar char="•"/>
+              <a:defRPr sz="1800" kern="1200">
+                <a:solidFill>
+                  <a:schemeClr val="tx1"/>
+                </a:solidFill>
+                <a:latin typeface="+mn-lt"/>
+                <a:ea typeface="+mn-ea"/>
+                <a:cs typeface="+mn-cs"/>
+              </a:defRPr>
+            </a:lvl9pPr>
+          </a:lstStyle>
+          <a:p>
+            <a:pPr marL="0" indent="0">
+              <a:buNone/>
+            </a:pPr>
+            <a:r>
+              <a:rPr lang="pt-BR" sz="1100" dirty="0">
+                <a:latin typeface="Times New Roman" panose="02020603050405020304" pitchFamily="18" charset="0"/>
+                <a:cs typeface="Times New Roman" panose="02020603050405020304" pitchFamily="18" charset="0"/>
+              </a:rPr>
+              <a:t>Resultado Esperado:</a:t>
+            </a:r>
+          </a:p>
+          <a:p>
+            <a:pPr marL="0" indent="0">
+              <a:buNone/>
+            </a:pPr>
+            <a:r>
+              <a:rPr lang="pt-BR" sz="1100" dirty="0">
+                <a:latin typeface="Times New Roman" panose="02020603050405020304" pitchFamily="18" charset="0"/>
+                <a:cs typeface="Times New Roman" panose="02020603050405020304" pitchFamily="18" charset="0"/>
+              </a:rPr>
+              <a:t>O cliente deve ser redirecionado para tela de </a:t>
+            </a:r>
+            <a:r>
+              <a:rPr lang="pt-BR" sz="1100" dirty="0" smtClean="0">
+                <a:latin typeface="Times New Roman" panose="02020603050405020304" pitchFamily="18" charset="0"/>
+                <a:cs typeface="Times New Roman" panose="02020603050405020304" pitchFamily="18" charset="0"/>
+              </a:rPr>
+              <a:t>finalizar pedido </a:t>
+            </a:r>
+            <a:r>
+              <a:rPr lang="pt-BR" sz="1100" dirty="0">
+                <a:latin typeface="Times New Roman" panose="02020603050405020304" pitchFamily="18" charset="0"/>
+                <a:cs typeface="Times New Roman" panose="02020603050405020304" pitchFamily="18" charset="0"/>
+              </a:rPr>
+              <a:t>onde contém os campos vazios “empresa, Nome e endereço” também deve conter o resumo do pedido com os produtos selecionados sua quantidade e seu preço total, com botões para voltar as categorias, adicionar um novo item e uma forma de pagamento, contem também o “botão de finalizar pedido”</a:t>
+            </a:r>
+          </a:p>
+          <a:p>
+            <a:pPr marL="0" indent="0">
+              <a:buNone/>
+            </a:pPr>
+            <a:r>
+              <a:rPr lang="pt-BR" sz="1100" dirty="0">
+                <a:latin typeface="Times New Roman" panose="02020603050405020304" pitchFamily="18" charset="0"/>
+                <a:cs typeface="Times New Roman" panose="02020603050405020304" pitchFamily="18" charset="0"/>
+              </a:rPr>
+              <a:t> </a:t>
+            </a:r>
+          </a:p>
+          <a:p>
+            <a:pPr marL="0" indent="0">
+              <a:buNone/>
+            </a:pPr>
+            <a:r>
+              <a:rPr lang="pt-BR" sz="1100" dirty="0">
+                <a:latin typeface="Times New Roman" panose="02020603050405020304" pitchFamily="18" charset="0"/>
+                <a:cs typeface="Times New Roman" panose="02020603050405020304" pitchFamily="18" charset="0"/>
+              </a:rPr>
+              <a:t>Critérios de sucesso:</a:t>
+            </a:r>
+          </a:p>
+          <a:p>
+            <a:pPr marL="0" indent="0">
+              <a:buNone/>
+            </a:pPr>
+            <a:r>
+              <a:rPr lang="pt-BR" sz="1100" dirty="0">
+                <a:latin typeface="Times New Roman" panose="02020603050405020304" pitchFamily="18" charset="0"/>
+                <a:cs typeface="Times New Roman" panose="02020603050405020304" pitchFamily="18" charset="0"/>
+              </a:rPr>
+              <a:t>O cliente deve ser capaz de adicionar pedido ao carrinho e ser redirecionado a tela “finalizar pedido” </a:t>
+            </a:r>
+          </a:p>
+          <a:p>
+            <a:pPr marL="0" indent="0">
+              <a:buNone/>
+            </a:pPr>
+            <a:r>
+              <a:rPr lang="pt-BR" sz="1100" dirty="0">
+                <a:latin typeface="Times New Roman" panose="02020603050405020304" pitchFamily="18" charset="0"/>
+                <a:cs typeface="Times New Roman" panose="02020603050405020304" pitchFamily="18" charset="0"/>
+              </a:rPr>
+              <a:t>Notas de teste:</a:t>
+            </a:r>
+          </a:p>
+          <a:p>
+            <a:pPr marL="0" indent="0">
+              <a:buNone/>
+            </a:pPr>
+            <a:r>
+              <a:rPr lang="pt-BR" sz="1100" dirty="0">
+                <a:latin typeface="Times New Roman" panose="02020603050405020304" pitchFamily="18" charset="0"/>
+                <a:cs typeface="Times New Roman" panose="02020603050405020304" pitchFamily="18" charset="0"/>
+              </a:rPr>
+              <a:t>Durante a execução do teste, nenhum comportamento anormal ou inesperado foi detectado.</a:t>
+            </a:r>
+          </a:p>
+          <a:p>
+            <a:pPr marL="0" indent="0">
+              <a:buNone/>
+            </a:pPr>
+            <a:r>
+              <a:rPr lang="pt-BR" sz="1100" dirty="0">
+                <a:latin typeface="Times New Roman" panose="02020603050405020304" pitchFamily="18" charset="0"/>
+                <a:cs typeface="Times New Roman" panose="02020603050405020304" pitchFamily="18" charset="0"/>
+              </a:rPr>
+              <a:t>Teste realizado em 05/05/23 as 14:30 PM</a:t>
+            </a:r>
+          </a:p>
+          <a:p>
+            <a:pPr marL="0" indent="0">
+              <a:buFont typeface="Arial" panose="020B0604020202020204" pitchFamily="34" charset="0"/>
+              <a:buNone/>
+            </a:pPr>
+            <a:endParaRPr lang="pt-BR" sz="1000" dirty="0">
               <a:latin typeface="Times New Roman" panose="02020603050405020304" pitchFamily="18" charset="0"/>
               <a:cs typeface="Times New Roman" panose="02020603050405020304" pitchFamily="18" charset="0"/>
             </a:endParaRPr>
@@ -4313,14 +4791,93 @@
             <p:ph type="title"/>
           </p:nvPr>
         </p:nvSpPr>
-        <p:spPr/>
+        <p:spPr>
+          <a:xfrm>
+            <a:off x="160320" y="0"/>
+            <a:ext cx="10515600" cy="1325563"/>
+          </a:xfrm>
+        </p:spPr>
         <p:txBody>
           <a:bodyPr/>
           <a:lstStyle/>
           <a:p>
             <a:r>
               <a:rPr lang="pt-BR" dirty="0" smtClean="0"/>
-              <a:t>RN n.2 Botão “voltar”</a:t>
+              <a:t>RN n.2 Botão </a:t>
+            </a:r>
+            <a:r>
+              <a:rPr lang="pt-BR" dirty="0" smtClean="0"/>
+              <a:t>“Voltar</a:t>
+            </a:r>
+            <a:r>
+              <a:rPr lang="pt-BR" dirty="0" smtClean="0"/>
+              <a:t>”</a:t>
+            </a:r>
+            <a:endParaRPr lang="pt-BR" dirty="0"/>
+          </a:p>
+        </p:txBody>
+      </p:sp>
+      <p:cxnSp>
+        <p:nvCxnSpPr>
+          <p:cNvPr id="20" name="Conector de Seta Reta 19"/>
+          <p:cNvCxnSpPr/>
+          <p:nvPr/>
+        </p:nvCxnSpPr>
+        <p:spPr>
+          <a:xfrm flipH="1">
+            <a:off x="5097593" y="5791078"/>
+            <a:ext cx="641055" cy="472218"/>
+          </a:xfrm>
+          <a:prstGeom prst="straightConnector1">
+            <a:avLst/>
+          </a:prstGeom>
+          <a:ln>
+            <a:solidFill>
+              <a:srgbClr val="FF0000"/>
+            </a:solidFill>
+            <a:tailEnd type="triangle"/>
+          </a:ln>
+        </p:spPr>
+        <p:style>
+          <a:lnRef idx="1">
+            <a:schemeClr val="accent1"/>
+          </a:lnRef>
+          <a:fillRef idx="0">
+            <a:schemeClr val="accent1"/>
+          </a:fillRef>
+          <a:effectRef idx="0">
+            <a:schemeClr val="accent1"/>
+          </a:effectRef>
+          <a:fontRef idx="minor">
+            <a:schemeClr val="tx1"/>
+          </a:fontRef>
+        </p:style>
+      </p:cxnSp>
+      <p:sp>
+        <p:nvSpPr>
+          <p:cNvPr id="31" name="CaixaDeTexto 30"/>
+          <p:cNvSpPr txBox="1"/>
+          <p:nvPr/>
+        </p:nvSpPr>
+        <p:spPr>
+          <a:xfrm>
+            <a:off x="5689038" y="1610158"/>
+            <a:ext cx="5073555" cy="369332"/>
+          </a:xfrm>
+          <a:prstGeom prst="rect">
+            <a:avLst/>
+          </a:prstGeom>
+          <a:noFill/>
+        </p:spPr>
+        <p:txBody>
+          <a:bodyPr wrap="square" rtlCol="0">
+            <a:spAutoFit/>
+          </a:bodyPr>
+          <a:lstStyle/>
+          <a:p>
+            <a:r>
+              <a:rPr lang="pt-BR" dirty="0" smtClean="0"/>
+              <a:t>Resultado Esperado:  Voltar para tela de categoria.</a:t>
             </a:r>
             <a:endParaRPr lang="pt-BR" dirty="0"/>
           </a:p>
@@ -4328,7 +4885,7 @@
       </p:sp>
       <p:pic>
         <p:nvPicPr>
-          <p:cNvPr id="5" name="Imagem 4"/>
+          <p:cNvPr id="32" name="Imagem 31"/>
           <p:cNvPicPr>
             <a:picLocks noChangeAspect="1"/>
           </p:cNvPicPr>
@@ -4342,8 +4899,8 @@
         </p:blipFill>
         <p:spPr>
           <a:xfrm>
-            <a:off x="941439" y="2005780"/>
-            <a:ext cx="2848347" cy="1176491"/>
+            <a:off x="998482" y="1152063"/>
+            <a:ext cx="3268717" cy="5583770"/>
           </a:xfrm>
           <a:prstGeom prst="rect">
             <a:avLst/>
@@ -4407,217 +4964,6 @@
                 <a:latin typeface="Times New Roman" panose="02020603050405020304" pitchFamily="18" charset="0"/>
                 <a:cs typeface="Times New Roman" panose="02020603050405020304" pitchFamily="18" charset="0"/>
               </a:rPr>
-              <a:t>RN n.3 </a:t>
-            </a:r>
-            <a:r>
-              <a:rPr lang="pt-BR" dirty="0">
-                <a:latin typeface="Times New Roman" panose="02020603050405020304" pitchFamily="18" charset="0"/>
-                <a:cs typeface="Times New Roman" panose="02020603050405020304" pitchFamily="18" charset="0"/>
-              </a:rPr>
-              <a:t>Botão “adicionar Pedido”</a:t>
-            </a:r>
-            <a:br>
-              <a:rPr lang="pt-BR" dirty="0">
-                <a:latin typeface="Times New Roman" panose="02020603050405020304" pitchFamily="18" charset="0"/>
-                <a:cs typeface="Times New Roman" panose="02020603050405020304" pitchFamily="18" charset="0"/>
-              </a:rPr>
-            </a:br>
-            <a:endParaRPr lang="pt-BR" dirty="0">
-              <a:latin typeface="Times New Roman" panose="02020603050405020304" pitchFamily="18" charset="0"/>
-              <a:cs typeface="Times New Roman" panose="02020603050405020304" pitchFamily="18" charset="0"/>
-            </a:endParaRPr>
-          </a:p>
-        </p:txBody>
-      </p:sp>
-      <p:sp>
-        <p:nvSpPr>
-          <p:cNvPr id="3" name="Espaço Reservado para Conteúdo 2"/>
-          <p:cNvSpPr>
-            <a:spLocks noGrp="1"/>
-          </p:cNvSpPr>
-          <p:nvPr>
-            <p:ph idx="1"/>
-          </p:nvPr>
-        </p:nvSpPr>
-        <p:spPr/>
-        <p:txBody>
-          <a:bodyPr/>
-          <a:lstStyle/>
-          <a:p>
-            <a:r>
-              <a:rPr lang="pt-BR" dirty="0" smtClean="0">
-                <a:latin typeface="Times New Roman" panose="02020603050405020304" pitchFamily="18" charset="0"/>
-                <a:cs typeface="Times New Roman" panose="02020603050405020304" pitchFamily="18" charset="0"/>
-              </a:rPr>
-              <a:t>Botão designado 	o cliente selecionar o pedido desejado, além de levar o produto para o carrinho.</a:t>
-            </a:r>
-            <a:endParaRPr lang="pt-BR" dirty="0">
-              <a:latin typeface="Times New Roman" panose="02020603050405020304" pitchFamily="18" charset="0"/>
-              <a:cs typeface="Times New Roman" panose="02020603050405020304" pitchFamily="18" charset="0"/>
-            </a:endParaRPr>
-          </a:p>
-        </p:txBody>
-      </p:sp>
-    </p:spTree>
-    <p:extLst>
-      <p:ext uri="{BB962C8B-B14F-4D97-AF65-F5344CB8AC3E}">
-        <p14:creationId xmlns:p14="http://schemas.microsoft.com/office/powerpoint/2010/main" val="1674496334"/>
-      </p:ext>
-    </p:extLst>
-  </p:cSld>
-  <p:clrMapOvr>
-    <a:masterClrMapping/>
-  </p:clrMapOvr>
-  <p:timing>
-    <p:tnLst>
-      <p:par>
-        <p:cTn id="1" dur="indefinite" restart="never" nodeType="tmRoot"/>
-      </p:par>
-    </p:tnLst>
-  </p:timing>
-</p:sld>
-</file>
-
-<file path=ppt/slides/slide13.xml><?xml version="1.0" encoding="utf-8"?>
-<p:sld xmlns:a="http://schemas.openxmlformats.org/drawingml/2006/main" xmlns:r="http://schemas.openxmlformats.org/officeDocument/2006/relationships" xmlns:p="http://schemas.openxmlformats.org/presentationml/2006/main">
-  <p:cSld>
-    <p:spTree>
-      <p:nvGrpSpPr>
-        <p:cNvPr id="1" name=""/>
-        <p:cNvGrpSpPr/>
-        <p:nvPr/>
-      </p:nvGrpSpPr>
-      <p:grpSpPr>
-        <a:xfrm>
-          <a:off x="0" y="0"/>
-          <a:ext cx="0" cy="0"/>
-          <a:chOff x="0" y="0"/>
-          <a:chExt cx="0" cy="0"/>
-        </a:xfrm>
-      </p:grpSpPr>
-      <p:sp>
-        <p:nvSpPr>
-          <p:cNvPr id="2" name="Título 1"/>
-          <p:cNvSpPr>
-            <a:spLocks noGrp="1"/>
-          </p:cNvSpPr>
-          <p:nvPr>
-            <p:ph type="title"/>
-          </p:nvPr>
-        </p:nvSpPr>
-        <p:spPr/>
-        <p:txBody>
-          <a:bodyPr/>
-          <a:lstStyle/>
-          <a:p>
-            <a:r>
-              <a:rPr lang="pt-BR" dirty="0" smtClean="0">
-                <a:latin typeface="Times New Roman" panose="02020603050405020304" pitchFamily="18" charset="0"/>
-                <a:cs typeface="Times New Roman" panose="02020603050405020304" pitchFamily="18" charset="0"/>
-              </a:rPr>
-              <a:t>RN n.3 </a:t>
-            </a:r>
-            <a:r>
-              <a:rPr lang="pt-BR" dirty="0">
-                <a:latin typeface="Times New Roman" panose="02020603050405020304" pitchFamily="18" charset="0"/>
-                <a:cs typeface="Times New Roman" panose="02020603050405020304" pitchFamily="18" charset="0"/>
-              </a:rPr>
-              <a:t>Botão “adicionar Pedido”</a:t>
-            </a:r>
-            <a:br>
-              <a:rPr lang="pt-BR" dirty="0">
-                <a:latin typeface="Times New Roman" panose="02020603050405020304" pitchFamily="18" charset="0"/>
-                <a:cs typeface="Times New Roman" panose="02020603050405020304" pitchFamily="18" charset="0"/>
-              </a:rPr>
-            </a:br>
-            <a:endParaRPr lang="pt-BR" dirty="0">
-              <a:latin typeface="Times New Roman" panose="02020603050405020304" pitchFamily="18" charset="0"/>
-              <a:cs typeface="Times New Roman" panose="02020603050405020304" pitchFamily="18" charset="0"/>
-            </a:endParaRPr>
-          </a:p>
-        </p:txBody>
-      </p:sp>
-      <p:pic>
-        <p:nvPicPr>
-          <p:cNvPr id="5" name="Imagem 4"/>
-          <p:cNvPicPr>
-            <a:picLocks noChangeAspect="1"/>
-          </p:cNvPicPr>
-          <p:nvPr/>
-        </p:nvPicPr>
-        <p:blipFill>
-          <a:blip r:embed="rId2"/>
-          <a:stretch>
-            <a:fillRect/>
-          </a:stretch>
-        </p:blipFill>
-        <p:spPr>
-          <a:xfrm>
-            <a:off x="590703" y="1301545"/>
-            <a:ext cx="7889925" cy="3712906"/>
-          </a:xfrm>
-          <a:prstGeom prst="rect">
-            <a:avLst/>
-          </a:prstGeom>
-        </p:spPr>
-      </p:pic>
-    </p:spTree>
-    <p:extLst>
-      <p:ext uri="{BB962C8B-B14F-4D97-AF65-F5344CB8AC3E}">
-        <p14:creationId xmlns:p14="http://schemas.microsoft.com/office/powerpoint/2010/main" val="614066379"/>
-      </p:ext>
-    </p:extLst>
-  </p:cSld>
-  <p:clrMapOvr>
-    <a:masterClrMapping/>
-  </p:clrMapOvr>
-  <p:timing>
-    <p:tnLst>
-      <p:par>
-        <p:cTn id="1" dur="indefinite" restart="never" nodeType="tmRoot"/>
-      </p:par>
-    </p:tnLst>
-  </p:timing>
-</p:sld>
-</file>
-
-<file path=ppt/slides/slide14.xml><?xml version="1.0" encoding="utf-8"?>
-<p:sld xmlns:a="http://schemas.openxmlformats.org/drawingml/2006/main" xmlns:r="http://schemas.openxmlformats.org/officeDocument/2006/relationships" xmlns:p="http://schemas.openxmlformats.org/presentationml/2006/main">
-  <p:cSld>
-    <p:spTree>
-      <p:nvGrpSpPr>
-        <p:cNvPr id="1" name=""/>
-        <p:cNvGrpSpPr/>
-        <p:nvPr/>
-      </p:nvGrpSpPr>
-      <p:grpSpPr>
-        <a:xfrm>
-          <a:off x="0" y="0"/>
-          <a:ext cx="0" cy="0"/>
-          <a:chOff x="0" y="0"/>
-          <a:chExt cx="0" cy="0"/>
-        </a:xfrm>
-      </p:grpSpPr>
-      <p:sp>
-        <p:nvSpPr>
-          <p:cNvPr id="2" name="Título 1"/>
-          <p:cNvSpPr>
-            <a:spLocks noGrp="1"/>
-          </p:cNvSpPr>
-          <p:nvPr>
-            <p:ph type="title"/>
-          </p:nvPr>
-        </p:nvSpPr>
-        <p:spPr/>
-        <p:txBody>
-          <a:bodyPr/>
-          <a:lstStyle/>
-          <a:p>
-            <a:r>
-              <a:rPr lang="pt-BR" dirty="0" smtClean="0">
-                <a:latin typeface="Times New Roman" panose="02020603050405020304" pitchFamily="18" charset="0"/>
-                <a:cs typeface="Times New Roman" panose="02020603050405020304" pitchFamily="18" charset="0"/>
-              </a:rPr>
               <a:t>RN n.4 </a:t>
             </a:r>
             <a:r>
@@ -4688,7 +5034,7 @@
 </p:sld>
 </file>
 
-<file path=ppt/slides/slide15.xml><?xml version="1.0" encoding="utf-8"?>
+<file path=ppt/slides/slide13.xml><?xml version="1.0" encoding="utf-8"?>
 <p:sld xmlns:a="http://schemas.openxmlformats.org/drawingml/2006/main" xmlns:r="http://schemas.openxmlformats.org/officeDocument/2006/relationships" xmlns:p="http://schemas.openxmlformats.org/presentationml/2006/main">
   <p:cSld>
     <p:spTree>
@@ -4791,7 +5137,7 @@
 </p:sld>
 </file>
 
-<file path=ppt/slides/slide16.xml><?xml version="1.0" encoding="utf-8"?>
+<file path=ppt/slides/slide14.xml><?xml version="1.0" encoding="utf-8"?>
 <p:sld xmlns:a="http://schemas.openxmlformats.org/drawingml/2006/main" xmlns:r="http://schemas.openxmlformats.org/officeDocument/2006/relationships" xmlns:p="http://schemas.openxmlformats.org/presentationml/2006/main">
   <p:cSld>
     <p:spTree>
@@ -4899,7 +5245,7 @@
 </p:sld>
 </file>
 
-<file path=ppt/slides/slide17.xml><?xml version="1.0" encoding="utf-8"?>
+<file path=ppt/slides/slide15.xml><?xml version="1.0" encoding="utf-8"?>
 <p:sld xmlns:a="http://schemas.openxmlformats.org/drawingml/2006/main" xmlns:r="http://schemas.openxmlformats.org/officeDocument/2006/relationships" xmlns:p="http://schemas.openxmlformats.org/presentationml/2006/main">
   <p:cSld>
     <p:spTree>
@@ -5016,6 +5362,217 @@
 </p:sld>
 </file>
 
+<file path=ppt/slides/slide16.xml><?xml version="1.0" encoding="utf-8"?>
+<p:sld xmlns:a="http://schemas.openxmlformats.org/drawingml/2006/main" xmlns:r="http://schemas.openxmlformats.org/officeDocument/2006/relationships" xmlns:p="http://schemas.openxmlformats.org/presentationml/2006/main">
+  <p:cSld>
+    <p:spTree>
+      <p:nvGrpSpPr>
+        <p:cNvPr id="1" name=""/>
+        <p:cNvGrpSpPr/>
+        <p:nvPr/>
+      </p:nvGrpSpPr>
+      <p:grpSpPr>
+        <a:xfrm>
+          <a:off x="0" y="0"/>
+          <a:ext cx="0" cy="0"/>
+          <a:chOff x="0" y="0"/>
+          <a:chExt cx="0" cy="0"/>
+        </a:xfrm>
+      </p:grpSpPr>
+      <p:sp>
+        <p:nvSpPr>
+          <p:cNvPr id="2" name="Título 1"/>
+          <p:cNvSpPr>
+            <a:spLocks noGrp="1"/>
+          </p:cNvSpPr>
+          <p:nvPr>
+            <p:ph type="title"/>
+          </p:nvPr>
+        </p:nvSpPr>
+        <p:spPr/>
+        <p:txBody>
+          <a:bodyPr/>
+          <a:lstStyle/>
+          <a:p>
+            <a:r>
+              <a:rPr lang="pt-BR" dirty="0" smtClean="0">
+                <a:latin typeface="Times New Roman" panose="02020603050405020304" pitchFamily="18" charset="0"/>
+                <a:cs typeface="Times New Roman" panose="02020603050405020304" pitchFamily="18" charset="0"/>
+              </a:rPr>
+              <a:t>RN n.6 </a:t>
+            </a:r>
+            <a:r>
+              <a:rPr lang="pt-BR" dirty="0">
+                <a:latin typeface="Times New Roman" panose="02020603050405020304" pitchFamily="18" charset="0"/>
+                <a:cs typeface="Times New Roman" panose="02020603050405020304" pitchFamily="18" charset="0"/>
+              </a:rPr>
+              <a:t>Resumo do pedido</a:t>
+            </a:r>
+            <a:br>
+              <a:rPr lang="pt-BR" dirty="0">
+                <a:latin typeface="Times New Roman" panose="02020603050405020304" pitchFamily="18" charset="0"/>
+                <a:cs typeface="Times New Roman" panose="02020603050405020304" pitchFamily="18" charset="0"/>
+              </a:rPr>
+            </a:br>
+            <a:endParaRPr lang="pt-BR" dirty="0">
+              <a:latin typeface="Times New Roman" panose="02020603050405020304" pitchFamily="18" charset="0"/>
+              <a:cs typeface="Times New Roman" panose="02020603050405020304" pitchFamily="18" charset="0"/>
+            </a:endParaRPr>
+          </a:p>
+        </p:txBody>
+      </p:sp>
+      <p:sp>
+        <p:nvSpPr>
+          <p:cNvPr id="3" name="Espaço Reservado para Conteúdo 2"/>
+          <p:cNvSpPr>
+            <a:spLocks noGrp="1"/>
+          </p:cNvSpPr>
+          <p:nvPr>
+            <p:ph idx="1"/>
+          </p:nvPr>
+        </p:nvSpPr>
+        <p:spPr/>
+        <p:txBody>
+          <a:bodyPr/>
+          <a:lstStyle/>
+          <a:p>
+            <a:r>
+              <a:rPr lang="pt-BR" dirty="0" smtClean="0">
+                <a:latin typeface="Times New Roman" panose="02020603050405020304" pitchFamily="18" charset="0"/>
+                <a:cs typeface="Times New Roman" panose="02020603050405020304" pitchFamily="18" charset="0"/>
+              </a:rPr>
+              <a:t>A parte de resumo do pedido mostra a quantidade, os produtos selecionados, o preço de cada item e o total do pedido, um botão “X” designado a excluir pedidos, além da caixa de Observação que facilita a comunicação entre o estabelecimento e o cliente.</a:t>
+            </a:r>
+            <a:endParaRPr lang="pt-BR" dirty="0">
+              <a:latin typeface="Times New Roman" panose="02020603050405020304" pitchFamily="18" charset="0"/>
+              <a:cs typeface="Times New Roman" panose="02020603050405020304" pitchFamily="18" charset="0"/>
+            </a:endParaRPr>
+          </a:p>
+        </p:txBody>
+      </p:sp>
+    </p:spTree>
+    <p:extLst>
+      <p:ext uri="{BB962C8B-B14F-4D97-AF65-F5344CB8AC3E}">
+        <p14:creationId xmlns:p14="http://schemas.microsoft.com/office/powerpoint/2010/main" val="1906328409"/>
+      </p:ext>
+    </p:extLst>
+  </p:cSld>
+  <p:clrMapOvr>
+    <a:masterClrMapping/>
+  </p:clrMapOvr>
+  <p:timing>
+    <p:tnLst>
+      <p:par>
+        <p:cTn id="1" dur="indefinite" restart="never" nodeType="tmRoot"/>
+      </p:par>
+    </p:tnLst>
+  </p:timing>
+</p:sld>
+</file>
+
+<file path=ppt/slides/slide17.xml><?xml version="1.0" encoding="utf-8"?>
+<p:sld xmlns:a="http://schemas.openxmlformats.org/drawingml/2006/main" xmlns:r="http://schemas.openxmlformats.org/officeDocument/2006/relationships" xmlns:p="http://schemas.openxmlformats.org/presentationml/2006/main">
+  <p:cSld>
+    <p:spTree>
+      <p:nvGrpSpPr>
+        <p:cNvPr id="1" name=""/>
+        <p:cNvGrpSpPr/>
+        <p:nvPr/>
+      </p:nvGrpSpPr>
+      <p:grpSpPr>
+        <a:xfrm>
+          <a:off x="0" y="0"/>
+          <a:ext cx="0" cy="0"/>
+          <a:chOff x="0" y="0"/>
+          <a:chExt cx="0" cy="0"/>
+        </a:xfrm>
+      </p:grpSpPr>
+      <p:sp>
+        <p:nvSpPr>
+          <p:cNvPr id="2" name="Título 1"/>
+          <p:cNvSpPr>
+            <a:spLocks noGrp="1"/>
+          </p:cNvSpPr>
+          <p:nvPr>
+            <p:ph type="title"/>
+          </p:nvPr>
+        </p:nvSpPr>
+        <p:spPr/>
+        <p:txBody>
+          <a:bodyPr/>
+          <a:lstStyle/>
+          <a:p>
+            <a:r>
+              <a:rPr lang="pt-BR" dirty="0" smtClean="0">
+                <a:latin typeface="Times New Roman" panose="02020603050405020304" pitchFamily="18" charset="0"/>
+                <a:cs typeface="Times New Roman" panose="02020603050405020304" pitchFamily="18" charset="0"/>
+              </a:rPr>
+              <a:t>RN n.6 </a:t>
+            </a:r>
+            <a:r>
+              <a:rPr lang="pt-BR" dirty="0">
+                <a:latin typeface="Times New Roman" panose="02020603050405020304" pitchFamily="18" charset="0"/>
+                <a:cs typeface="Times New Roman" panose="02020603050405020304" pitchFamily="18" charset="0"/>
+              </a:rPr>
+              <a:t>Resumo do pedido</a:t>
+            </a:r>
+            <a:br>
+              <a:rPr lang="pt-BR" dirty="0">
+                <a:latin typeface="Times New Roman" panose="02020603050405020304" pitchFamily="18" charset="0"/>
+                <a:cs typeface="Times New Roman" panose="02020603050405020304" pitchFamily="18" charset="0"/>
+              </a:rPr>
+            </a:br>
+            <a:endParaRPr lang="pt-BR" dirty="0">
+              <a:latin typeface="Times New Roman" panose="02020603050405020304" pitchFamily="18" charset="0"/>
+              <a:cs typeface="Times New Roman" panose="02020603050405020304" pitchFamily="18" charset="0"/>
+            </a:endParaRPr>
+          </a:p>
+        </p:txBody>
+      </p:sp>
+      <p:pic>
+        <p:nvPicPr>
+          <p:cNvPr id="4" name="Imagem 3"/>
+          <p:cNvPicPr>
+            <a:picLocks noChangeAspect="1"/>
+          </p:cNvPicPr>
+          <p:nvPr/>
+        </p:nvPicPr>
+        <p:blipFill>
+          <a:blip r:embed="rId2"/>
+          <a:stretch>
+            <a:fillRect/>
+          </a:stretch>
+        </p:blipFill>
+        <p:spPr>
+          <a:xfrm>
+            <a:off x="838200" y="1472926"/>
+            <a:ext cx="3514725" cy="4143375"/>
+          </a:xfrm>
+          <a:prstGeom prst="rect">
+            <a:avLst/>
+          </a:prstGeom>
+        </p:spPr>
+      </p:pic>
+    </p:spTree>
+    <p:extLst>
+      <p:ext uri="{BB962C8B-B14F-4D97-AF65-F5344CB8AC3E}">
+        <p14:creationId xmlns:p14="http://schemas.microsoft.com/office/powerpoint/2010/main" val="2066607591"/>
+      </p:ext>
+    </p:extLst>
+  </p:cSld>
+  <p:clrMapOvr>
+    <a:masterClrMapping/>
+  </p:clrMapOvr>
+  <p:timing>
+    <p:tnLst>
+      <p:par>
+        <p:cTn id="1" dur="indefinite" restart="never" nodeType="tmRoot"/>
+      </p:par>
+    </p:tnLst>
+  </p:timing>
+</p:sld>
+</file>
+
 <file path=ppt/slides/slide18.xml><?xml version="1.0" encoding="utf-8"?>
 <p:sld xmlns:a="http://schemas.openxmlformats.org/drawingml/2006/main" xmlns:r="http://schemas.openxmlformats.org/officeDocument/2006/relationships" xmlns:p="http://schemas.openxmlformats.org/presentationml/2006/main">
   <p:cSld>
@@ -5043,7 +5600,12 @@
             <p:ph type="title"/>
           </p:nvPr>
         </p:nvSpPr>
-        <p:spPr/>
+        <p:spPr>
+          <a:xfrm>
+            <a:off x="838200" y="500062"/>
+            <a:ext cx="10515600" cy="1325563"/>
+          </a:xfrm>
+        </p:spPr>
         <p:txBody>
           <a:bodyPr/>
           <a:lstStyle/>
@@ -5053,14 +5615,14 @@
                 <a:latin typeface="Times New Roman" panose="02020603050405020304" pitchFamily="18" charset="0"/>
                 <a:cs typeface="Times New Roman" panose="02020603050405020304" pitchFamily="18" charset="0"/>
               </a:rPr>
-              <a:t>RN n.6 </a:t>
+              <a:t>RN n.7 Forma </a:t>
             </a:r>
             <a:r>
               <a:rPr lang="pt-BR" dirty="0">
                 <a:latin typeface="Times New Roman" panose="02020603050405020304" pitchFamily="18" charset="0"/>
                 <a:cs typeface="Times New Roman" panose="02020603050405020304" pitchFamily="18" charset="0"/>
               </a:rPr>
-              <a:t>Resumo do pedido</a:t>
+              <a:t>de pagamento</a:t>
             </a:r>
             <a:br>
               <a:rPr lang="pt-BR" dirty="0">
@@ -5095,7 +5657,28 @@
                 <a:latin typeface="Times New Roman" panose="02020603050405020304" pitchFamily="18" charset="0"/>
                 <a:cs typeface="Times New Roman" panose="02020603050405020304" pitchFamily="18" charset="0"/>
               </a:rPr>
-              <a:t>A parte de resumo do pedido mostra a quantidade, os produtos selecionados, o preço de cada item e o total do pedido, um botão “X” designado a excluir pedidos, além da caixa de Observação que facilita a comunicação entre o estabelecimento e o cliente.</a:t>
+              <a:t>Caixa de seleção com as informações de pagamento disponíveis, sendo </a:t>
+            </a:r>
+            <a:r>
+              <a:rPr lang="pt-BR" dirty="0" err="1">
+                <a:latin typeface="Times New Roman" panose="02020603050405020304" pitchFamily="18" charset="0"/>
+                <a:cs typeface="Times New Roman" panose="02020603050405020304" pitchFamily="18" charset="0"/>
+              </a:rPr>
+              <a:t>P</a:t>
+            </a:r>
+            <a:r>
+              <a:rPr lang="pt-BR" dirty="0" err="1" smtClean="0">
+                <a:latin typeface="Times New Roman" panose="02020603050405020304" pitchFamily="18" charset="0"/>
+                <a:cs typeface="Times New Roman" panose="02020603050405020304" pitchFamily="18" charset="0"/>
+              </a:rPr>
+              <a:t>ix</a:t>
+            </a:r>
+            <a:r>
+              <a:rPr lang="pt-BR" dirty="0" smtClean="0">
+                <a:latin typeface="Times New Roman" panose="02020603050405020304" pitchFamily="18" charset="0"/>
+                <a:cs typeface="Times New Roman" panose="02020603050405020304" pitchFamily="18" charset="0"/>
+              </a:rPr>
+              <a:t>, cartão e dinheiro para serem selecionados.</a:t>
             </a:r>
             <a:endParaRPr lang="pt-BR" dirty="0">
               <a:latin typeface="Times New Roman" panose="02020603050405020304" pitchFamily="18" charset="0"/>
@@ -5107,7 +5690,7 @@
     </p:spTree>
     <p:extLst>
       <p:ext uri="{BB962C8B-B14F-4D97-AF65-F5344CB8AC3E}">
-        <p14:creationId xmlns:p14="http://schemas.microsoft.com/office/powerpoint/2010/main" val="1906328409"/>
+        <p14:creationId xmlns:p14="http://schemas.microsoft.com/office/powerpoint/2010/main" val="3328260141"/>
       </p:ext>
     </p:extLst>
   </p:cSld>
@@ -5151,7 +5734,12 @@
             <p:ph type="title"/>
           </p:nvPr>
         </p:nvSpPr>
-        <p:spPr/>
+        <p:spPr>
+          <a:xfrm>
+            <a:off x="838200" y="500062"/>
+            <a:ext cx="10515600" cy="1325563"/>
+          </a:xfrm>
+        </p:spPr>
         <p:txBody>
           <a:bodyPr/>
           <a:lstStyle/>
@@ -5161,14 +5749,14 @@
                 <a:latin typeface="Times New Roman" panose="02020603050405020304" pitchFamily="18" charset="0"/>
                 <a:cs typeface="Times New Roman" panose="02020603050405020304" pitchFamily="18" charset="0"/>
               </a:rPr>
-              <a:t>RN n.6 </a:t>
+              <a:t>RN n.7 Forma </a:t>
             </a:r>
             <a:r>
               <a:rPr lang="pt-BR" dirty="0">
                 <a:latin typeface="Times New Roman" panose="02020603050405020304" pitchFamily="18" charset="0"/>
                 <a:cs typeface="Times New Roman" panose="02020603050405020304" pitchFamily="18" charset="0"/>
               </a:rPr>
-              <a:t>Resumo do pedido</a:t>
+              <a:t>de pagamento</a:t>
             </a:r>
             <a:br>
               <a:rPr lang="pt-BR" dirty="0">
@@ -5185,7 +5773,7 @@
       </p:sp>
       <p:pic>
         <p:nvPicPr>
-          <p:cNvPr id="4" name="Imagem 3"/>
+          <p:cNvPr id="5" name="Imagem 4"/>
           <p:cNvPicPr>
             <a:picLocks noChangeAspect="1"/>
           </p:cNvPicPr>
@@ -5199,8 +5787,8 @@
         </p:blipFill>
         <p:spPr>
           <a:xfrm>
-            <a:off x="838200" y="1472926"/>
-            <a:ext cx="3514725" cy="4143375"/>
+            <a:off x="577184" y="1694067"/>
+            <a:ext cx="10062722" cy="4131546"/>
           </a:xfrm>
           <a:prstGeom prst="rect">
             <a:avLst/>
@@ -5210,7 +5798,7 @@
     </p:spTree>
     <p:extLst>
       <p:ext uri="{BB962C8B-B14F-4D97-AF65-F5344CB8AC3E}">
-        <p14:creationId xmlns:p14="http://schemas.microsoft.com/office/powerpoint/2010/main" val="2066607591"/>
+        <p14:creationId xmlns:p14="http://schemas.microsoft.com/office/powerpoint/2010/main" val="1976072078"/>
       </p:ext>
     </p:extLst>
   </p:cSld>
@@ -5838,248 +6426,6 @@
             <p:ph type="title"/>
           </p:nvPr>
         </p:nvSpPr>
-        <p:spPr>
-          <a:xfrm>
-            <a:off x="838200" y="500062"/>
-            <a:ext cx="10515600" cy="1325563"/>
-          </a:xfrm>
-        </p:spPr>
-        <p:txBody>
-          <a:bodyPr/>
-          <a:lstStyle/>
-          <a:p>
-            <a:r>
-              <a:rPr lang="pt-BR" dirty="0" smtClean="0">
-                <a:latin typeface="Times New Roman" panose="02020603050405020304" pitchFamily="18" charset="0"/>
-                <a:cs typeface="Times New Roman" panose="02020603050405020304" pitchFamily="18" charset="0"/>
-              </a:rPr>
-              <a:t>RN n.7 Forma </a:t>
-            </a:r>
-            <a:r>
-              <a:rPr lang="pt-BR" dirty="0">
-                <a:latin typeface="Times New Roman" panose="02020603050405020304" pitchFamily="18" charset="0"/>
-                <a:cs typeface="Times New Roman" panose="02020603050405020304" pitchFamily="18" charset="0"/>
-              </a:rPr>
-              <a:t>de pagamento</a:t>
-            </a:r>
-            <a:br>
-              <a:rPr lang="pt-BR" dirty="0">
-                <a:latin typeface="Times New Roman" panose="02020603050405020304" pitchFamily="18" charset="0"/>
-                <a:cs typeface="Times New Roman" panose="02020603050405020304" pitchFamily="18" charset="0"/>
-              </a:rPr>
-            </a:br>
-            <a:endParaRPr lang="pt-BR" dirty="0">
-              <a:latin typeface="Times New Roman" panose="02020603050405020304" pitchFamily="18" charset="0"/>
-              <a:cs typeface="Times New Roman" panose="02020603050405020304" pitchFamily="18" charset="0"/>
-            </a:endParaRPr>
-          </a:p>
-        </p:txBody>
-      </p:sp>
-      <p:sp>
-        <p:nvSpPr>
-          <p:cNvPr id="3" name="Espaço Reservado para Conteúdo 2"/>
-          <p:cNvSpPr>
-            <a:spLocks noGrp="1"/>
-          </p:cNvSpPr>
-          <p:nvPr>
-            <p:ph idx="1"/>
-          </p:nvPr>
-        </p:nvSpPr>
-        <p:spPr/>
-        <p:txBody>
-          <a:bodyPr/>
-          <a:lstStyle/>
-          <a:p>
-            <a:r>
-              <a:rPr lang="pt-BR" dirty="0" smtClean="0">
-                <a:latin typeface="Times New Roman" panose="02020603050405020304" pitchFamily="18" charset="0"/>
-                <a:cs typeface="Times New Roman" panose="02020603050405020304" pitchFamily="18" charset="0"/>
-              </a:rPr>
-              <a:t>Caixa de seleção com as informações de pagamento disponíveis, sendo </a:t>
-            </a:r>
-            <a:r>
-              <a:rPr lang="pt-BR" dirty="0" err="1">
-                <a:latin typeface="Times New Roman" panose="02020603050405020304" pitchFamily="18" charset="0"/>
-                <a:cs typeface="Times New Roman" panose="02020603050405020304" pitchFamily="18" charset="0"/>
-              </a:rPr>
-              <a:t>P</a:t>
-            </a:r>
-            <a:r>
-              <a:rPr lang="pt-BR" dirty="0" err="1" smtClean="0">
-                <a:latin typeface="Times New Roman" panose="02020603050405020304" pitchFamily="18" charset="0"/>
-                <a:cs typeface="Times New Roman" panose="02020603050405020304" pitchFamily="18" charset="0"/>
-              </a:rPr>
-              <a:t>ix</a:t>
-            </a:r>
-            <a:r>
-              <a:rPr lang="pt-BR" dirty="0" smtClean="0">
-                <a:latin typeface="Times New Roman" panose="02020603050405020304" pitchFamily="18" charset="0"/>
-                <a:cs typeface="Times New Roman" panose="02020603050405020304" pitchFamily="18" charset="0"/>
-              </a:rPr>
-              <a:t>, cartão e dinheiro para serem selecionados.</a:t>
-            </a:r>
-            <a:endParaRPr lang="pt-BR" dirty="0">
-              <a:latin typeface="Times New Roman" panose="02020603050405020304" pitchFamily="18" charset="0"/>
-              <a:cs typeface="Times New Roman" panose="02020603050405020304" pitchFamily="18" charset="0"/>
-            </a:endParaRPr>
-          </a:p>
-        </p:txBody>
-      </p:sp>
-    </p:spTree>
-    <p:extLst>
-      <p:ext uri="{BB962C8B-B14F-4D97-AF65-F5344CB8AC3E}">
-        <p14:creationId xmlns:p14="http://schemas.microsoft.com/office/powerpoint/2010/main" val="3328260141"/>
-      </p:ext>
-    </p:extLst>
-  </p:cSld>
-  <p:clrMapOvr>
-    <a:masterClrMapping/>
-  </p:clrMapOvr>
-  <p:timing>
-    <p:tnLst>
-      <p:par>
-        <p:cTn id="1" dur="indefinite" restart="never" nodeType="tmRoot"/>
-      </p:par>
-    </p:tnLst>
-  </p:timing>
-</p:sld>
-</file>
-
-<file path=ppt/slides/slide21.xml><?xml version="1.0" encoding="utf-8"?>
-<p:sld xmlns:a="http://schemas.openxmlformats.org/drawingml/2006/main" xmlns:r="http://schemas.openxmlformats.org/officeDocument/2006/relationships" xmlns:p="http://schemas.openxmlformats.org/presentationml/2006/main">
-  <p:cSld>
-    <p:spTree>
-      <p:nvGrpSpPr>
-        <p:cNvPr id="1" name=""/>
-        <p:cNvGrpSpPr/>
-        <p:nvPr/>
-      </p:nvGrpSpPr>
-      <p:grpSpPr>
-        <a:xfrm>
-          <a:off x="0" y="0"/>
-          <a:ext cx="0" cy="0"/>
-          <a:chOff x="0" y="0"/>
-          <a:chExt cx="0" cy="0"/>
-        </a:xfrm>
-      </p:grpSpPr>
-      <p:sp>
-        <p:nvSpPr>
-          <p:cNvPr id="2" name="Título 1"/>
-          <p:cNvSpPr>
-            <a:spLocks noGrp="1"/>
-          </p:cNvSpPr>
-          <p:nvPr>
-            <p:ph type="title"/>
-          </p:nvPr>
-        </p:nvSpPr>
-        <p:spPr>
-          <a:xfrm>
-            <a:off x="838200" y="500062"/>
-            <a:ext cx="10515600" cy="1325563"/>
-          </a:xfrm>
-        </p:spPr>
-        <p:txBody>
-          <a:bodyPr/>
-          <a:lstStyle/>
-          <a:p>
-            <a:r>
-              <a:rPr lang="pt-BR" dirty="0" smtClean="0">
-                <a:latin typeface="Times New Roman" panose="02020603050405020304" pitchFamily="18" charset="0"/>
-                <a:cs typeface="Times New Roman" panose="02020603050405020304" pitchFamily="18" charset="0"/>
-              </a:rPr>
-              <a:t>RN n.7 Forma </a:t>
-            </a:r>
-            <a:r>
-              <a:rPr lang="pt-BR" dirty="0">
-                <a:latin typeface="Times New Roman" panose="02020603050405020304" pitchFamily="18" charset="0"/>
-                <a:cs typeface="Times New Roman" panose="02020603050405020304" pitchFamily="18" charset="0"/>
-              </a:rPr>
-              <a:t>de pagamento</a:t>
-            </a:r>
-            <a:br>
-              <a:rPr lang="pt-BR" dirty="0">
-                <a:latin typeface="Times New Roman" panose="02020603050405020304" pitchFamily="18" charset="0"/>
-                <a:cs typeface="Times New Roman" panose="02020603050405020304" pitchFamily="18" charset="0"/>
-              </a:rPr>
-            </a:br>
-            <a:endParaRPr lang="pt-BR" dirty="0">
-              <a:latin typeface="Times New Roman" panose="02020603050405020304" pitchFamily="18" charset="0"/>
-              <a:cs typeface="Times New Roman" panose="02020603050405020304" pitchFamily="18" charset="0"/>
-            </a:endParaRPr>
-          </a:p>
-        </p:txBody>
-      </p:sp>
-      <p:pic>
-        <p:nvPicPr>
-          <p:cNvPr id="5" name="Imagem 4"/>
-          <p:cNvPicPr>
-            <a:picLocks noChangeAspect="1"/>
-          </p:cNvPicPr>
-          <p:nvPr/>
-        </p:nvPicPr>
-        <p:blipFill>
-          <a:blip r:embed="rId2"/>
-          <a:stretch>
-            <a:fillRect/>
-          </a:stretch>
-        </p:blipFill>
-        <p:spPr>
-          <a:xfrm>
-            <a:off x="577184" y="1694067"/>
-            <a:ext cx="10062722" cy="4131546"/>
-          </a:xfrm>
-          <a:prstGeom prst="rect">
-            <a:avLst/>
-          </a:prstGeom>
-        </p:spPr>
-      </p:pic>
-    </p:spTree>
-    <p:extLst>
-      <p:ext uri="{BB962C8B-B14F-4D97-AF65-F5344CB8AC3E}">
-        <p14:creationId xmlns:p14="http://schemas.microsoft.com/office/powerpoint/2010/main" val="1976072078"/>
-      </p:ext>
-    </p:extLst>
-  </p:cSld>
-  <p:clrMapOvr>
-    <a:masterClrMapping/>
-  </p:clrMapOvr>
-  <p:timing>
-    <p:tnLst>
-      <p:par>
-        <p:cTn id="1" dur="indefinite" restart="never" nodeType="tmRoot"/>
-      </p:par>
-    </p:tnLst>
-  </p:timing>
-</p:sld>
-</file>
-
-<file path=ppt/slides/slide22.xml><?xml version="1.0" encoding="utf-8"?>
-<p:sld xmlns:a="http://schemas.openxmlformats.org/drawingml/2006/main" xmlns:r="http://schemas.openxmlformats.org/officeDocument/2006/relationships" xmlns:p="http://schemas.openxmlformats.org/presentationml/2006/main">
-  <p:cSld>
-    <p:spTree>
-      <p:nvGrpSpPr>
-        <p:cNvPr id="1" name=""/>
-        <p:cNvGrpSpPr/>
-        <p:nvPr/>
-      </p:nvGrpSpPr>
-      <p:grpSpPr>
-        <a:xfrm>
-          <a:off x="0" y="0"/>
-          <a:ext cx="0" cy="0"/>
-          <a:chOff x="0" y="0"/>
-          <a:chExt cx="0" cy="0"/>
-        </a:xfrm>
-      </p:grpSpPr>
-      <p:sp>
-        <p:nvSpPr>
-          <p:cNvPr id="2" name="Título 1"/>
-          <p:cNvSpPr>
-            <a:spLocks noGrp="1"/>
-          </p:cNvSpPr>
-          <p:nvPr>
-            <p:ph type="title"/>
-          </p:nvPr>
-        </p:nvSpPr>
         <p:spPr/>
         <p:txBody>
           <a:bodyPr/>
@@ -6155,7 +6501,7 @@
 </p:sld>
 </file>
 
-<file path=ppt/slides/slide23.xml><?xml version="1.0" encoding="utf-8"?>
+<file path=ppt/slides/slide21.xml><?xml version="1.0" encoding="utf-8"?>
 <p:sld xmlns:a="http://schemas.openxmlformats.org/drawingml/2006/main" xmlns:r="http://schemas.openxmlformats.org/officeDocument/2006/relationships" xmlns:p="http://schemas.openxmlformats.org/presentationml/2006/main">
   <p:cSld>
     <p:spTree>
@@ -6282,7 +6628,7 @@
 </p:sld>
 </file>
 
-<file path=ppt/slides/slide24.xml><?xml version="1.0" encoding="utf-8"?>
+<file path=ppt/slides/slide22.xml><?xml version="1.0" encoding="utf-8"?>
 <p:sld xmlns:a="http://schemas.openxmlformats.org/drawingml/2006/main" xmlns:r="http://schemas.openxmlformats.org/officeDocument/2006/relationships" xmlns:p="http://schemas.openxmlformats.org/presentationml/2006/main">
   <p:cSld>
     <p:spTree>
@@ -6404,7 +6750,7 @@
 </p:sld>
 </file>
 
-<file path=ppt/slides/slide25.xml><?xml version="1.0" encoding="utf-8"?>
+<file path=ppt/slides/slide23.xml><?xml version="1.0" encoding="utf-8"?>
 <p:sld xmlns:a="http://schemas.openxmlformats.org/drawingml/2006/main" xmlns:r="http://schemas.openxmlformats.org/officeDocument/2006/relationships" xmlns:p="http://schemas.openxmlformats.org/presentationml/2006/main">
   <p:cSld>
     <p:spTree>
@@ -9764,15 +10110,7 @@
                       </a:r>
                       <a:r>
                         <a:rPr lang="pt-BR" baseline="0" dirty="0" smtClean="0"/>
-                        <a:t> quantidade, o preço de cada pedido, </a:t>
-                      </a:r>
-                      <a:r>
-                        <a:rPr lang="pt-BR" baseline="0" dirty="0" smtClean="0"/>
-                        <a:t>o botão de excluir item, e </a:t>
-                      </a:r>
-                      <a:r>
-                        <a:rPr lang="pt-BR" baseline="0" dirty="0" smtClean="0"/>
-                        <a:t>o preço total da compra, além da seleção da forma de pagamento do pedido.</a:t>
+                        <a:t> quantidade, o preço de cada pedido, o botão de excluir item, e o preço total da compra, além da seleção da forma de pagamento do pedido.</a:t>
                       </a:r>
                       <a:endParaRPr lang="pt-BR" dirty="0"/>
                     </a:p>
@@ -10082,7 +10420,12 @@
             <p:ph type="title"/>
           </p:nvPr>
         </p:nvSpPr>
-        <p:spPr/>
+        <p:spPr>
+          <a:xfrm>
+            <a:off x="419100" y="365125"/>
+            <a:ext cx="11353800" cy="1325563"/>
+          </a:xfrm>
+        </p:spPr>
         <p:txBody>
           <a:bodyPr/>
           <a:lstStyle/>
@@ -10092,7 +10435,14 @@
                 <a:latin typeface="Times New Roman" panose="02020603050405020304" pitchFamily="18" charset="0"/>
                 <a:cs typeface="Times New Roman" panose="02020603050405020304" pitchFamily="18" charset="0"/>
               </a:rPr>
-              <a:t>RN n.1 Categoria</a:t>
+              <a:t>RN n.1 </a:t>
+            </a:r>
+            <a:r>
+              <a:rPr lang="pt-BR" dirty="0" smtClean="0">
+                <a:latin typeface="Times New Roman" panose="02020603050405020304" pitchFamily="18" charset="0"/>
+                <a:cs typeface="Times New Roman" panose="02020603050405020304" pitchFamily="18" charset="0"/>
+              </a:rPr>
+              <a:t>Categorias,  produtos e Adicionar Pedido</a:t>
             </a:r>
             <a:endParaRPr lang="pt-BR" dirty="0">
               <a:latin typeface="Times New Roman" panose="02020603050405020304" pitchFamily="18" charset="0"/>
@@ -10117,18 +10467,24 @@
           <a:lstStyle/>
           <a:p>
             <a:r>
-              <a:rPr lang="pt-BR" dirty="0">
-                <a:latin typeface="Times New Roman" panose="02020603050405020304" pitchFamily="18" charset="0"/>
-                <a:cs typeface="Times New Roman" panose="02020603050405020304" pitchFamily="18" charset="0"/>
-              </a:rPr>
-              <a:t>Categorizar produtos para facilitar a navegação do cliente dentro do cardápio</a:t>
-            </a:r>
-            <a:r>
               <a:rPr lang="pt-BR" dirty="0" smtClean="0">
                 <a:latin typeface="Times New Roman" panose="02020603050405020304" pitchFamily="18" charset="0"/>
                 <a:cs typeface="Times New Roman" panose="02020603050405020304" pitchFamily="18" charset="0"/>
               </a:rPr>
-              <a:t>.</a:t>
+              <a:t>Ao entrar no cardápio da empresa selecionada poderemos ver as categorias registradas da empresa,</a:t>
+            </a:r>
+            <a:br>
+              <a:rPr lang="pt-BR" dirty="0" smtClean="0">
+                <a:latin typeface="Times New Roman" panose="02020603050405020304" pitchFamily="18" charset="0"/>
+                <a:cs typeface="Times New Roman" panose="02020603050405020304" pitchFamily="18" charset="0"/>
+              </a:rPr>
+            </a:br>
+            <a:r>
+              <a:rPr lang="pt-BR" dirty="0" smtClean="0">
+                <a:latin typeface="Times New Roman" panose="02020603050405020304" pitchFamily="18" charset="0"/>
+                <a:cs typeface="Times New Roman" panose="02020603050405020304" pitchFamily="18" charset="0"/>
+              </a:rPr>
+              <a:t>ao Categorizar os produtos facilitamos a navegação do cliente dentro do cardápio.</a:t>
             </a:r>
           </a:p>
           <a:p>
@@ -10139,10 +10495,6 @@
               </a:rPr>
               <a:t>Cada produto possui uma categoria, por exemplo: massas, frios, Carnes e etc.. Essa categorização facilita a busca do cliente pelo produto desejado além de uma tela mais limpa.</a:t>
             </a:r>
-            <a:endParaRPr lang="pt-BR" dirty="0">
-              <a:latin typeface="Times New Roman" panose="02020603050405020304" pitchFamily="18" charset="0"/>
-              <a:cs typeface="Times New Roman" panose="02020603050405020304" pitchFamily="18" charset="0"/>
-            </a:endParaRPr>
           </a:p>
           <a:p>
             <a:endParaRPr lang="pt-BR" dirty="0"/>
@@ -10188,81 +10540,1034 @@
       </p:grpSpPr>
       <p:sp>
         <p:nvSpPr>
-          <p:cNvPr id="2" name="Título 1"/>
-          <p:cNvSpPr>
-            <a:spLocks noGrp="1"/>
-          </p:cNvSpPr>
-          <p:nvPr>
-            <p:ph type="title"/>
-          </p:nvPr>
-        </p:nvSpPr>
-        <p:spPr/>
-        <p:txBody>
-          <a:bodyPr/>
-          <a:lstStyle/>
-          <a:p>
-            <a:r>
-              <a:rPr lang="pt-BR" dirty="0" smtClean="0">
-                <a:latin typeface="Times New Roman" panose="02020603050405020304" pitchFamily="18" charset="0"/>
-                <a:cs typeface="Times New Roman" panose="02020603050405020304" pitchFamily="18" charset="0"/>
-              </a:rPr>
-              <a:t>RN n.1 Categoria</a:t>
-            </a:r>
-            <a:endParaRPr lang="pt-BR" dirty="0">
-              <a:latin typeface="Times New Roman" panose="02020603050405020304" pitchFamily="18" charset="0"/>
-              <a:cs typeface="Times New Roman" panose="02020603050405020304" pitchFamily="18" charset="0"/>
-            </a:endParaRPr>
-          </a:p>
-        </p:txBody>
-      </p:sp>
-      <p:pic>
-        <p:nvPicPr>
-          <p:cNvPr id="4" name="Imagem 3"/>
-          <p:cNvPicPr>
-            <a:picLocks noChangeAspect="1"/>
-          </p:cNvPicPr>
+          <p:cNvPr id="17" name="Retângulo 16"/>
+          <p:cNvSpPr/>
           <p:nvPr/>
-        </p:nvPicPr>
-        <p:blipFill>
-          <a:blip r:embed="rId2"/>
-          <a:stretch>
-            <a:fillRect/>
-          </a:stretch>
-        </p:blipFill>
+        </p:nvSpPr>
         <p:spPr>
           <a:xfrm>
-            <a:off x="838200" y="3170345"/>
-            <a:ext cx="3113690" cy="962025"/>
+            <a:off x="6573338" y="1235779"/>
+            <a:ext cx="4225158" cy="5265682"/>
           </a:xfrm>
           <a:prstGeom prst="rect">
             <a:avLst/>
           </a:prstGeom>
         </p:spPr>
-      </p:pic>
-      <p:pic>
-        <p:nvPicPr>
-          <p:cNvPr id="5" name="Imagem 4"/>
-          <p:cNvPicPr>
-            <a:picLocks noChangeAspect="1"/>
-          </p:cNvPicPr>
+        <p:style>
+          <a:lnRef idx="2">
+            <a:schemeClr val="accent6"/>
+          </a:lnRef>
+          <a:fillRef idx="1">
+            <a:schemeClr val="lt1"/>
+          </a:fillRef>
+          <a:effectRef idx="0">
+            <a:schemeClr val="accent6"/>
+          </a:effectRef>
+          <a:fontRef idx="minor">
+            <a:schemeClr val="dk1"/>
+          </a:fontRef>
+        </p:style>
+        <p:txBody>
+          <a:bodyPr rtlCol="0" anchor="ctr"/>
+          <a:lstStyle/>
+          <a:p>
+            <a:pPr algn="ctr"/>
+            <a:endParaRPr lang="pt-BR"/>
+          </a:p>
+        </p:txBody>
+      </p:sp>
+      <p:sp>
+        <p:nvSpPr>
+          <p:cNvPr id="14" name="Retângulo 13"/>
+          <p:cNvSpPr/>
           <p:nvPr/>
-        </p:nvPicPr>
-        <p:blipFill>
-          <a:blip r:embed="rId3"/>
-          <a:stretch>
-            <a:fillRect/>
-          </a:stretch>
-        </p:blipFill>
+        </p:nvSpPr>
         <p:spPr>
           <a:xfrm>
-            <a:off x="838200" y="1835204"/>
-            <a:ext cx="3390900" cy="1190625"/>
+            <a:off x="300860" y="1235779"/>
+            <a:ext cx="4225158" cy="5265682"/>
           </a:xfrm>
           <a:prstGeom prst="rect">
             <a:avLst/>
           </a:prstGeom>
         </p:spPr>
-      </p:pic>
+        <p:style>
+          <a:lnRef idx="2">
+            <a:schemeClr val="accent6"/>
+          </a:lnRef>
+          <a:fillRef idx="1">
+            <a:schemeClr val="lt1"/>
+          </a:fillRef>
+          <a:effectRef idx="0">
+            <a:schemeClr val="accent6"/>
+          </a:effectRef>
+          <a:fontRef idx="minor">
+            <a:schemeClr val="dk1"/>
+          </a:fontRef>
+        </p:style>
+        <p:txBody>
+          <a:bodyPr rtlCol="0" anchor="ctr"/>
+          <a:lstStyle/>
+          <a:p>
+            <a:pPr algn="ctr"/>
+            <a:endParaRPr lang="pt-BR"/>
+          </a:p>
+        </p:txBody>
+      </p:sp>
+      <p:sp>
+        <p:nvSpPr>
+          <p:cNvPr id="3" name="Retângulo 2"/>
+          <p:cNvSpPr/>
+          <p:nvPr/>
+        </p:nvSpPr>
+        <p:spPr>
+          <a:xfrm>
+            <a:off x="863162" y="3198376"/>
+            <a:ext cx="3100551" cy="1240221"/>
+          </a:xfrm>
+          <a:prstGeom prst="rect">
+            <a:avLst/>
+          </a:prstGeom>
+        </p:spPr>
+        <p:style>
+          <a:lnRef idx="2">
+            <a:schemeClr val="accent1"/>
+          </a:lnRef>
+          <a:fillRef idx="1">
+            <a:schemeClr val="lt1"/>
+          </a:fillRef>
+          <a:effectRef idx="0">
+            <a:schemeClr val="accent1"/>
+          </a:effectRef>
+          <a:fontRef idx="minor">
+            <a:schemeClr val="dk1"/>
+          </a:fontRef>
+        </p:style>
+        <p:txBody>
+          <a:bodyPr rtlCol="0" anchor="ctr"/>
+          <a:lstStyle/>
+          <a:p>
+            <a:pPr algn="ctr"/>
+            <a:endParaRPr lang="pt-BR"/>
+          </a:p>
+        </p:txBody>
+      </p:sp>
+      <p:sp>
+        <p:nvSpPr>
+          <p:cNvPr id="6" name="Retângulo 5"/>
+          <p:cNvSpPr/>
+          <p:nvPr/>
+        </p:nvSpPr>
+        <p:spPr>
+          <a:xfrm>
+            <a:off x="997174" y="3477856"/>
+            <a:ext cx="704193" cy="620111"/>
+          </a:xfrm>
+          <a:prstGeom prst="rect">
+            <a:avLst/>
+          </a:prstGeom>
+        </p:spPr>
+        <p:style>
+          <a:lnRef idx="2">
+            <a:schemeClr val="accent1">
+              <a:shade val="50000"/>
+            </a:schemeClr>
+          </a:lnRef>
+          <a:fillRef idx="1">
+            <a:schemeClr val="accent1"/>
+          </a:fillRef>
+          <a:effectRef idx="0">
+            <a:schemeClr val="accent1"/>
+          </a:effectRef>
+          <a:fontRef idx="minor">
+            <a:schemeClr val="lt1"/>
+          </a:fontRef>
+        </p:style>
+        <p:txBody>
+          <a:bodyPr rtlCol="0" anchor="ctr"/>
+          <a:lstStyle/>
+          <a:p>
+            <a:pPr algn="ctr"/>
+            <a:endParaRPr lang="pt-BR"/>
+          </a:p>
+        </p:txBody>
+      </p:sp>
+      <p:sp>
+        <p:nvSpPr>
+          <p:cNvPr id="7" name="CaixaDeTexto 6"/>
+          <p:cNvSpPr txBox="1"/>
+          <p:nvPr/>
+        </p:nvSpPr>
+        <p:spPr>
+          <a:xfrm>
+            <a:off x="1944416" y="3293190"/>
+            <a:ext cx="1072055" cy="369332"/>
+          </a:xfrm>
+          <a:prstGeom prst="rect">
+            <a:avLst/>
+          </a:prstGeom>
+          <a:noFill/>
+        </p:spPr>
+        <p:txBody>
+          <a:bodyPr wrap="square" rtlCol="0">
+            <a:spAutoFit/>
+          </a:bodyPr>
+          <a:lstStyle/>
+          <a:p>
+            <a:r>
+              <a:rPr lang="pt-BR" dirty="0" smtClean="0"/>
+              <a:t>Sorvetes</a:t>
+            </a:r>
+            <a:endParaRPr lang="pt-BR" dirty="0"/>
+          </a:p>
+        </p:txBody>
+      </p:sp>
+      <p:sp>
+        <p:nvSpPr>
+          <p:cNvPr id="8" name="CaixaDeTexto 7"/>
+          <p:cNvSpPr txBox="1"/>
+          <p:nvPr/>
+        </p:nvSpPr>
+        <p:spPr>
+          <a:xfrm>
+            <a:off x="1877412" y="3615809"/>
+            <a:ext cx="1949666" cy="523220"/>
+          </a:xfrm>
+          <a:prstGeom prst="rect">
+            <a:avLst/>
+          </a:prstGeom>
+          <a:noFill/>
+        </p:spPr>
+        <p:txBody>
+          <a:bodyPr wrap="square" rtlCol="0">
+            <a:spAutoFit/>
+          </a:bodyPr>
+          <a:lstStyle/>
+          <a:p>
+            <a:r>
+              <a:rPr lang="pt-BR" sz="1400" dirty="0" smtClean="0"/>
+              <a:t>Deliciosas sobremesas, para o dia de calor.</a:t>
+            </a:r>
+            <a:endParaRPr lang="pt-BR" sz="1400" dirty="0"/>
+          </a:p>
+        </p:txBody>
+      </p:sp>
+      <p:sp>
+        <p:nvSpPr>
+          <p:cNvPr id="9" name="Retângulo 8"/>
+          <p:cNvSpPr/>
+          <p:nvPr/>
+        </p:nvSpPr>
+        <p:spPr>
+          <a:xfrm>
+            <a:off x="863163" y="4896329"/>
+            <a:ext cx="3100551" cy="1240221"/>
+          </a:xfrm>
+          <a:prstGeom prst="rect">
+            <a:avLst/>
+          </a:prstGeom>
+        </p:spPr>
+        <p:style>
+          <a:lnRef idx="2">
+            <a:schemeClr val="accent1"/>
+          </a:lnRef>
+          <a:fillRef idx="1">
+            <a:schemeClr val="lt1"/>
+          </a:fillRef>
+          <a:effectRef idx="0">
+            <a:schemeClr val="accent1"/>
+          </a:effectRef>
+          <a:fontRef idx="minor">
+            <a:schemeClr val="dk1"/>
+          </a:fontRef>
+        </p:style>
+        <p:txBody>
+          <a:bodyPr rtlCol="0" anchor="ctr"/>
+          <a:lstStyle/>
+          <a:p>
+            <a:pPr algn="ctr"/>
+            <a:endParaRPr lang="pt-BR"/>
+          </a:p>
+        </p:txBody>
+      </p:sp>
+      <p:sp>
+        <p:nvSpPr>
+          <p:cNvPr id="10" name="Retângulo 9"/>
+          <p:cNvSpPr/>
+          <p:nvPr/>
+        </p:nvSpPr>
+        <p:spPr>
+          <a:xfrm>
+            <a:off x="1061546" y="5206383"/>
+            <a:ext cx="704193" cy="620111"/>
+          </a:xfrm>
+          <a:prstGeom prst="rect">
+            <a:avLst/>
+          </a:prstGeom>
+        </p:spPr>
+        <p:style>
+          <a:lnRef idx="2">
+            <a:schemeClr val="accent4">
+              <a:shade val="50000"/>
+            </a:schemeClr>
+          </a:lnRef>
+          <a:fillRef idx="1">
+            <a:schemeClr val="accent4"/>
+          </a:fillRef>
+          <a:effectRef idx="0">
+            <a:schemeClr val="accent4"/>
+          </a:effectRef>
+          <a:fontRef idx="minor">
+            <a:schemeClr val="lt1"/>
+          </a:fontRef>
+        </p:style>
+        <p:txBody>
+          <a:bodyPr rtlCol="0" anchor="ctr"/>
+          <a:lstStyle/>
+          <a:p>
+            <a:pPr algn="ctr"/>
+            <a:endParaRPr lang="pt-BR"/>
+          </a:p>
+        </p:txBody>
+      </p:sp>
+      <p:sp>
+        <p:nvSpPr>
+          <p:cNvPr id="11" name="CaixaDeTexto 10"/>
+          <p:cNvSpPr txBox="1"/>
+          <p:nvPr/>
+        </p:nvSpPr>
+        <p:spPr>
+          <a:xfrm>
+            <a:off x="1877412" y="5061966"/>
+            <a:ext cx="1072055" cy="369332"/>
+          </a:xfrm>
+          <a:prstGeom prst="rect">
+            <a:avLst/>
+          </a:prstGeom>
+          <a:noFill/>
+        </p:spPr>
+        <p:txBody>
+          <a:bodyPr wrap="square" rtlCol="0">
+            <a:spAutoFit/>
+          </a:bodyPr>
+          <a:lstStyle/>
+          <a:p>
+            <a:r>
+              <a:rPr lang="pt-BR" dirty="0" smtClean="0"/>
+              <a:t>Massas</a:t>
+            </a:r>
+            <a:endParaRPr lang="pt-BR" dirty="0"/>
+          </a:p>
+        </p:txBody>
+      </p:sp>
+      <p:sp>
+        <p:nvSpPr>
+          <p:cNvPr id="12" name="CaixaDeTexto 11"/>
+          <p:cNvSpPr txBox="1"/>
+          <p:nvPr/>
+        </p:nvSpPr>
+        <p:spPr>
+          <a:xfrm>
+            <a:off x="1877412" y="5357317"/>
+            <a:ext cx="1949666" cy="523220"/>
+          </a:xfrm>
+          <a:prstGeom prst="rect">
+            <a:avLst/>
+          </a:prstGeom>
+          <a:noFill/>
+        </p:spPr>
+        <p:txBody>
+          <a:bodyPr wrap="square" rtlCol="0">
+            <a:spAutoFit/>
+          </a:bodyPr>
+          <a:lstStyle/>
+          <a:p>
+            <a:r>
+              <a:rPr lang="pt-BR" sz="1400" dirty="0" smtClean="0"/>
+              <a:t>Ótimas opções de refeições rápidas</a:t>
+            </a:r>
+            <a:endParaRPr lang="pt-BR" sz="1400" dirty="0"/>
+          </a:p>
+        </p:txBody>
+      </p:sp>
+      <p:sp>
+        <p:nvSpPr>
+          <p:cNvPr id="15" name="Retângulo Arredondado 14"/>
+          <p:cNvSpPr/>
+          <p:nvPr/>
+        </p:nvSpPr>
+        <p:spPr>
+          <a:xfrm>
+            <a:off x="997174" y="1440498"/>
+            <a:ext cx="2702467" cy="1198179"/>
+          </a:xfrm>
+          <a:prstGeom prst="roundRect">
+            <a:avLst/>
+          </a:prstGeom>
+        </p:spPr>
+        <p:style>
+          <a:lnRef idx="2">
+            <a:schemeClr val="accent1">
+              <a:shade val="50000"/>
+            </a:schemeClr>
+          </a:lnRef>
+          <a:fillRef idx="1">
+            <a:schemeClr val="accent1"/>
+          </a:fillRef>
+          <a:effectRef idx="0">
+            <a:schemeClr val="accent1"/>
+          </a:effectRef>
+          <a:fontRef idx="minor">
+            <a:schemeClr val="lt1"/>
+          </a:fontRef>
+        </p:style>
+        <p:txBody>
+          <a:bodyPr rtlCol="0" anchor="ctr"/>
+          <a:lstStyle/>
+          <a:p>
+            <a:pPr algn="ctr"/>
+            <a:r>
+              <a:rPr lang="pt-BR" dirty="0" smtClean="0"/>
+              <a:t>*Logo Empresa*</a:t>
+            </a:r>
+            <a:endParaRPr lang="pt-BR" dirty="0"/>
+          </a:p>
+        </p:txBody>
+      </p:sp>
+      <p:sp>
+        <p:nvSpPr>
+          <p:cNvPr id="16" name="CaixaDeTexto 15"/>
+          <p:cNvSpPr txBox="1"/>
+          <p:nvPr/>
+        </p:nvSpPr>
+        <p:spPr>
+          <a:xfrm>
+            <a:off x="863162" y="2681369"/>
+            <a:ext cx="3198633" cy="369332"/>
+          </a:xfrm>
+          <a:prstGeom prst="rect">
+            <a:avLst/>
+          </a:prstGeom>
+          <a:noFill/>
+        </p:spPr>
+        <p:txBody>
+          <a:bodyPr wrap="none" rtlCol="0">
+            <a:spAutoFit/>
+          </a:bodyPr>
+          <a:lstStyle/>
+          <a:p>
+            <a:r>
+              <a:rPr lang="pt-BR" dirty="0" smtClean="0"/>
+              <a:t>Nunca foi tão fácil </a:t>
+            </a:r>
+            <a:r>
+              <a:rPr lang="pt-BR" dirty="0" smtClean="0">
+                <a:solidFill>
+                  <a:srgbClr val="FF0000"/>
+                </a:solidFill>
+              </a:rPr>
+              <a:t>Pedir lanche!</a:t>
+            </a:r>
+            <a:endParaRPr lang="pt-BR" dirty="0">
+              <a:solidFill>
+                <a:srgbClr val="FF0000"/>
+              </a:solidFill>
+            </a:endParaRPr>
+          </a:p>
+        </p:txBody>
+      </p:sp>
+      <p:sp>
+        <p:nvSpPr>
+          <p:cNvPr id="20" name="CaixaDeTexto 19"/>
+          <p:cNvSpPr txBox="1"/>
+          <p:nvPr/>
+        </p:nvSpPr>
+        <p:spPr>
+          <a:xfrm>
+            <a:off x="6968361" y="3019825"/>
+            <a:ext cx="2766844" cy="369332"/>
+          </a:xfrm>
+          <a:prstGeom prst="rect">
+            <a:avLst/>
+          </a:prstGeom>
+          <a:noFill/>
+        </p:spPr>
+        <p:txBody>
+          <a:bodyPr wrap="square" rtlCol="0">
+            <a:spAutoFit/>
+          </a:bodyPr>
+          <a:lstStyle/>
+          <a:p>
+            <a:r>
+              <a:rPr lang="pt-BR" dirty="0" smtClean="0"/>
+              <a:t>Sorvete de Morango</a:t>
+            </a:r>
+            <a:endParaRPr lang="pt-BR" dirty="0"/>
+          </a:p>
+        </p:txBody>
+      </p:sp>
+      <p:sp>
+        <p:nvSpPr>
+          <p:cNvPr id="21" name="CaixaDeTexto 20"/>
+          <p:cNvSpPr txBox="1"/>
+          <p:nvPr/>
+        </p:nvSpPr>
+        <p:spPr>
+          <a:xfrm>
+            <a:off x="6950397" y="3324004"/>
+            <a:ext cx="2766844" cy="523220"/>
+          </a:xfrm>
+          <a:prstGeom prst="rect">
+            <a:avLst/>
+          </a:prstGeom>
+          <a:noFill/>
+        </p:spPr>
+        <p:txBody>
+          <a:bodyPr wrap="square" rtlCol="0">
+            <a:spAutoFit/>
+          </a:bodyPr>
+          <a:lstStyle/>
+          <a:p>
+            <a:r>
+              <a:rPr lang="pt-BR" sz="1400" dirty="0" smtClean="0"/>
+              <a:t>Duas Bolas de sorvete de morango com cobertura de chocolate.</a:t>
+            </a:r>
+            <a:endParaRPr lang="pt-BR" sz="1400" dirty="0"/>
+          </a:p>
+        </p:txBody>
+      </p:sp>
+      <p:sp>
+        <p:nvSpPr>
+          <p:cNvPr id="23" name="CaixaDeTexto 22"/>
+          <p:cNvSpPr txBox="1"/>
+          <p:nvPr/>
+        </p:nvSpPr>
+        <p:spPr>
+          <a:xfrm>
+            <a:off x="6950397" y="4412872"/>
+            <a:ext cx="2381903" cy="369332"/>
+          </a:xfrm>
+          <a:prstGeom prst="rect">
+            <a:avLst/>
+          </a:prstGeom>
+          <a:noFill/>
+        </p:spPr>
+        <p:txBody>
+          <a:bodyPr wrap="square" rtlCol="0">
+            <a:spAutoFit/>
+          </a:bodyPr>
+          <a:lstStyle/>
+          <a:p>
+            <a:r>
+              <a:rPr lang="pt-BR" dirty="0" smtClean="0"/>
+              <a:t>Sorvete de baunilha</a:t>
+            </a:r>
+            <a:endParaRPr lang="pt-BR" dirty="0"/>
+          </a:p>
+        </p:txBody>
+      </p:sp>
+      <p:sp>
+        <p:nvSpPr>
+          <p:cNvPr id="24" name="CaixaDeTexto 23"/>
+          <p:cNvSpPr txBox="1"/>
+          <p:nvPr/>
+        </p:nvSpPr>
+        <p:spPr>
+          <a:xfrm>
+            <a:off x="6972731" y="4710040"/>
+            <a:ext cx="2729843" cy="523220"/>
+          </a:xfrm>
+          <a:prstGeom prst="rect">
+            <a:avLst/>
+          </a:prstGeom>
+          <a:noFill/>
+        </p:spPr>
+        <p:txBody>
+          <a:bodyPr wrap="square" rtlCol="0">
+            <a:spAutoFit/>
+          </a:bodyPr>
+          <a:lstStyle/>
+          <a:p>
+            <a:r>
+              <a:rPr lang="pt-BR" sz="1400" dirty="0" smtClean="0"/>
+              <a:t>Ótimas opções de refeições rápidas.</a:t>
+            </a:r>
+            <a:endParaRPr lang="pt-BR" sz="1400" dirty="0"/>
+          </a:p>
+        </p:txBody>
+      </p:sp>
+      <p:sp>
+        <p:nvSpPr>
+          <p:cNvPr id="25" name="Retângulo Arredondado 24"/>
+          <p:cNvSpPr/>
+          <p:nvPr/>
+        </p:nvSpPr>
+        <p:spPr>
+          <a:xfrm>
+            <a:off x="7347821" y="1409668"/>
+            <a:ext cx="2676191" cy="941858"/>
+          </a:xfrm>
+          <a:prstGeom prst="roundRect">
+            <a:avLst/>
+          </a:prstGeom>
+        </p:spPr>
+        <p:style>
+          <a:lnRef idx="2">
+            <a:schemeClr val="accent1">
+              <a:shade val="50000"/>
+            </a:schemeClr>
+          </a:lnRef>
+          <a:fillRef idx="1">
+            <a:schemeClr val="accent1"/>
+          </a:fillRef>
+          <a:effectRef idx="0">
+            <a:schemeClr val="accent1"/>
+          </a:effectRef>
+          <a:fontRef idx="minor">
+            <a:schemeClr val="lt1"/>
+          </a:fontRef>
+        </p:style>
+        <p:txBody>
+          <a:bodyPr rtlCol="0" anchor="ctr"/>
+          <a:lstStyle/>
+          <a:p>
+            <a:pPr algn="ctr"/>
+            <a:r>
+              <a:rPr lang="pt-BR" dirty="0" smtClean="0"/>
+              <a:t>*Logo Empresa*</a:t>
+            </a:r>
+            <a:endParaRPr lang="pt-BR" dirty="0"/>
+          </a:p>
+        </p:txBody>
+      </p:sp>
+      <p:sp>
+        <p:nvSpPr>
+          <p:cNvPr id="26" name="CaixaDeTexto 25"/>
+          <p:cNvSpPr txBox="1"/>
+          <p:nvPr/>
+        </p:nvSpPr>
+        <p:spPr>
+          <a:xfrm>
+            <a:off x="7086599" y="2649071"/>
+            <a:ext cx="3198633" cy="369332"/>
+          </a:xfrm>
+          <a:prstGeom prst="rect">
+            <a:avLst/>
+          </a:prstGeom>
+          <a:noFill/>
+        </p:spPr>
+        <p:txBody>
+          <a:bodyPr wrap="none" rtlCol="0">
+            <a:spAutoFit/>
+          </a:bodyPr>
+          <a:lstStyle/>
+          <a:p>
+            <a:r>
+              <a:rPr lang="pt-BR" dirty="0" smtClean="0"/>
+              <a:t>Nunca foi tão fácil </a:t>
+            </a:r>
+            <a:r>
+              <a:rPr lang="pt-BR" dirty="0" smtClean="0">
+                <a:solidFill>
+                  <a:srgbClr val="FF0000"/>
+                </a:solidFill>
+              </a:rPr>
+              <a:t>Pedir lanche!</a:t>
+            </a:r>
+            <a:endParaRPr lang="pt-BR" dirty="0">
+              <a:solidFill>
+                <a:srgbClr val="FF0000"/>
+              </a:solidFill>
+            </a:endParaRPr>
+          </a:p>
+        </p:txBody>
+      </p:sp>
+      <p:sp>
+        <p:nvSpPr>
+          <p:cNvPr id="29" name="Retângulo 28"/>
+          <p:cNvSpPr/>
+          <p:nvPr/>
+        </p:nvSpPr>
+        <p:spPr>
+          <a:xfrm>
+            <a:off x="7066618" y="5246632"/>
+            <a:ext cx="2149460" cy="428832"/>
+          </a:xfrm>
+          <a:prstGeom prst="rect">
+            <a:avLst/>
+          </a:prstGeom>
+          <a:solidFill>
+            <a:srgbClr val="FF0000"/>
+          </a:solidFill>
+        </p:spPr>
+        <p:style>
+          <a:lnRef idx="2">
+            <a:schemeClr val="accent1">
+              <a:shade val="50000"/>
+            </a:schemeClr>
+          </a:lnRef>
+          <a:fillRef idx="1">
+            <a:schemeClr val="accent1"/>
+          </a:fillRef>
+          <a:effectRef idx="0">
+            <a:schemeClr val="accent1"/>
+          </a:effectRef>
+          <a:fontRef idx="minor">
+            <a:schemeClr val="lt1"/>
+          </a:fontRef>
+        </p:style>
+        <p:txBody>
+          <a:bodyPr rtlCol="0" anchor="ctr"/>
+          <a:lstStyle/>
+          <a:p>
+            <a:pPr algn="ctr"/>
+            <a:r>
+              <a:rPr lang="pt-BR" dirty="0" smtClean="0"/>
+              <a:t>Adicionar Pedido 👌</a:t>
+            </a:r>
+            <a:endParaRPr lang="pt-BR" dirty="0"/>
+          </a:p>
+        </p:txBody>
+      </p:sp>
+      <p:sp>
+        <p:nvSpPr>
+          <p:cNvPr id="30" name="Retângulo 29"/>
+          <p:cNvSpPr/>
+          <p:nvPr/>
+        </p:nvSpPr>
+        <p:spPr>
+          <a:xfrm>
+            <a:off x="9392358" y="5288049"/>
+            <a:ext cx="649766" cy="395723"/>
+          </a:xfrm>
+          <a:prstGeom prst="rect">
+            <a:avLst/>
+          </a:prstGeom>
+          <a:solidFill>
+            <a:schemeClr val="bg1"/>
+          </a:solidFill>
+        </p:spPr>
+        <p:style>
+          <a:lnRef idx="2">
+            <a:schemeClr val="accent1">
+              <a:shade val="50000"/>
+            </a:schemeClr>
+          </a:lnRef>
+          <a:fillRef idx="1">
+            <a:schemeClr val="accent1"/>
+          </a:fillRef>
+          <a:effectRef idx="0">
+            <a:schemeClr val="accent1"/>
+          </a:effectRef>
+          <a:fontRef idx="minor">
+            <a:schemeClr val="lt1"/>
+          </a:fontRef>
+        </p:style>
+        <p:txBody>
+          <a:bodyPr rtlCol="0" anchor="ctr"/>
+          <a:lstStyle/>
+          <a:p>
+            <a:pPr algn="ctr"/>
+            <a:r>
+              <a:rPr lang="pt-BR" dirty="0">
+                <a:solidFill>
+                  <a:schemeClr val="tx1"/>
+                </a:solidFill>
+              </a:rPr>
+              <a:t>01🔽 </a:t>
+            </a:r>
+          </a:p>
+        </p:txBody>
+      </p:sp>
+      <p:sp>
+        <p:nvSpPr>
+          <p:cNvPr id="31" name="Retângulo 30"/>
+          <p:cNvSpPr/>
+          <p:nvPr/>
+        </p:nvSpPr>
+        <p:spPr>
+          <a:xfrm>
+            <a:off x="7084582" y="3883551"/>
+            <a:ext cx="2149460" cy="428832"/>
+          </a:xfrm>
+          <a:prstGeom prst="rect">
+            <a:avLst/>
+          </a:prstGeom>
+          <a:solidFill>
+            <a:srgbClr val="FF0000"/>
+          </a:solidFill>
+        </p:spPr>
+        <p:style>
+          <a:lnRef idx="2">
+            <a:schemeClr val="accent1">
+              <a:shade val="50000"/>
+            </a:schemeClr>
+          </a:lnRef>
+          <a:fillRef idx="1">
+            <a:schemeClr val="accent1"/>
+          </a:fillRef>
+          <a:effectRef idx="0">
+            <a:schemeClr val="accent1"/>
+          </a:effectRef>
+          <a:fontRef idx="minor">
+            <a:schemeClr val="lt1"/>
+          </a:fontRef>
+        </p:style>
+        <p:txBody>
+          <a:bodyPr rtlCol="0" anchor="ctr"/>
+          <a:lstStyle/>
+          <a:p>
+            <a:pPr algn="ctr"/>
+            <a:r>
+              <a:rPr lang="pt-BR" dirty="0" smtClean="0"/>
+              <a:t>Adicionar Pedido 👌</a:t>
+            </a:r>
+            <a:endParaRPr lang="pt-BR" dirty="0"/>
+          </a:p>
+        </p:txBody>
+      </p:sp>
+      <p:sp>
+        <p:nvSpPr>
+          <p:cNvPr id="32" name="Retângulo 31"/>
+          <p:cNvSpPr/>
+          <p:nvPr/>
+        </p:nvSpPr>
+        <p:spPr>
+          <a:xfrm>
+            <a:off x="9427646" y="3886862"/>
+            <a:ext cx="649766" cy="395723"/>
+          </a:xfrm>
+          <a:prstGeom prst="rect">
+            <a:avLst/>
+          </a:prstGeom>
+          <a:solidFill>
+            <a:schemeClr val="bg1"/>
+          </a:solidFill>
+        </p:spPr>
+        <p:style>
+          <a:lnRef idx="2">
+            <a:schemeClr val="accent1">
+              <a:shade val="50000"/>
+            </a:schemeClr>
+          </a:lnRef>
+          <a:fillRef idx="1">
+            <a:schemeClr val="accent1"/>
+          </a:fillRef>
+          <a:effectRef idx="0">
+            <a:schemeClr val="accent1"/>
+          </a:effectRef>
+          <a:fontRef idx="minor">
+            <a:schemeClr val="lt1"/>
+          </a:fontRef>
+        </p:style>
+        <p:txBody>
+          <a:bodyPr rtlCol="0" anchor="ctr"/>
+          <a:lstStyle/>
+          <a:p>
+            <a:pPr algn="ctr"/>
+            <a:r>
+              <a:rPr lang="pt-BR" dirty="0">
+                <a:solidFill>
+                  <a:schemeClr val="tx1"/>
+                </a:solidFill>
+              </a:rPr>
+              <a:t>01🔽 </a:t>
+            </a:r>
+          </a:p>
+        </p:txBody>
+      </p:sp>
+      <p:cxnSp>
+        <p:nvCxnSpPr>
+          <p:cNvPr id="34" name="Conector reto 33"/>
+          <p:cNvCxnSpPr/>
+          <p:nvPr/>
+        </p:nvCxnSpPr>
+        <p:spPr>
+          <a:xfrm>
+            <a:off x="6537410" y="4383074"/>
+            <a:ext cx="4261086" cy="1493"/>
+          </a:xfrm>
+          <a:prstGeom prst="line">
+            <a:avLst/>
+          </a:prstGeom>
+        </p:spPr>
+        <p:style>
+          <a:lnRef idx="1">
+            <a:schemeClr val="dk1"/>
+          </a:lnRef>
+          <a:fillRef idx="0">
+            <a:schemeClr val="dk1"/>
+          </a:fillRef>
+          <a:effectRef idx="0">
+            <a:schemeClr val="dk1"/>
+          </a:effectRef>
+          <a:fontRef idx="minor">
+            <a:schemeClr val="tx1"/>
+          </a:fontRef>
+        </p:style>
+      </p:cxnSp>
+      <p:sp>
+        <p:nvSpPr>
+          <p:cNvPr id="44" name="Retângulo 43"/>
+          <p:cNvSpPr/>
+          <p:nvPr/>
+        </p:nvSpPr>
+        <p:spPr>
+          <a:xfrm>
+            <a:off x="9531621" y="6154520"/>
+            <a:ext cx="1091582" cy="277677"/>
+          </a:xfrm>
+          <a:prstGeom prst="rect">
+            <a:avLst/>
+          </a:prstGeom>
+          <a:solidFill>
+            <a:srgbClr val="FF0000"/>
+          </a:solidFill>
+        </p:spPr>
+        <p:style>
+          <a:lnRef idx="2">
+            <a:schemeClr val="accent1">
+              <a:shade val="50000"/>
+            </a:schemeClr>
+          </a:lnRef>
+          <a:fillRef idx="1">
+            <a:schemeClr val="accent1"/>
+          </a:fillRef>
+          <a:effectRef idx="0">
+            <a:schemeClr val="accent1"/>
+          </a:effectRef>
+          <a:fontRef idx="minor">
+            <a:schemeClr val="lt1"/>
+          </a:fontRef>
+        </p:style>
+        <p:txBody>
+          <a:bodyPr rtlCol="0" anchor="ctr"/>
+          <a:lstStyle/>
+          <a:p>
+            <a:pPr algn="ctr"/>
+            <a:r>
+              <a:rPr lang="pt-BR" dirty="0" smtClean="0"/>
+              <a:t>Voltar 👈</a:t>
+            </a:r>
+            <a:endParaRPr lang="pt-BR" dirty="0"/>
+          </a:p>
+        </p:txBody>
+      </p:sp>
+      <p:sp>
+        <p:nvSpPr>
+          <p:cNvPr id="45" name="CaixaDeTexto 44"/>
+          <p:cNvSpPr txBox="1"/>
+          <p:nvPr/>
+        </p:nvSpPr>
+        <p:spPr>
+          <a:xfrm>
+            <a:off x="8970179" y="3026511"/>
+            <a:ext cx="1022076" cy="369332"/>
+          </a:xfrm>
+          <a:prstGeom prst="rect">
+            <a:avLst/>
+          </a:prstGeom>
+          <a:noFill/>
+        </p:spPr>
+        <p:txBody>
+          <a:bodyPr wrap="square" rtlCol="0">
+            <a:spAutoFit/>
+          </a:bodyPr>
+          <a:lstStyle/>
+          <a:p>
+            <a:r>
+              <a:rPr lang="pt-BR" dirty="0" smtClean="0"/>
+              <a:t>R$ 19,69</a:t>
+            </a:r>
+            <a:endParaRPr lang="pt-BR" dirty="0"/>
+          </a:p>
+        </p:txBody>
+      </p:sp>
+      <p:sp>
+        <p:nvSpPr>
+          <p:cNvPr id="46" name="CaixaDeTexto 45"/>
+          <p:cNvSpPr txBox="1"/>
+          <p:nvPr/>
+        </p:nvSpPr>
+        <p:spPr>
+          <a:xfrm>
+            <a:off x="9102437" y="4435282"/>
+            <a:ext cx="1022076" cy="369332"/>
+          </a:xfrm>
+          <a:prstGeom prst="rect">
+            <a:avLst/>
+          </a:prstGeom>
+          <a:noFill/>
+        </p:spPr>
+        <p:txBody>
+          <a:bodyPr wrap="square" rtlCol="0">
+            <a:spAutoFit/>
+          </a:bodyPr>
+          <a:lstStyle/>
+          <a:p>
+            <a:r>
+              <a:rPr lang="pt-BR" dirty="0" smtClean="0"/>
+              <a:t>R$ 25,60</a:t>
+            </a:r>
+            <a:endParaRPr lang="pt-BR" dirty="0"/>
+          </a:p>
+        </p:txBody>
+      </p:sp>
+      <p:sp>
+        <p:nvSpPr>
+          <p:cNvPr id="47" name="Título 1"/>
+          <p:cNvSpPr txBox="1">
+            <a:spLocks/>
+          </p:cNvSpPr>
+          <p:nvPr/>
+        </p:nvSpPr>
+        <p:spPr>
+          <a:xfrm>
+            <a:off x="300860" y="-2840"/>
+            <a:ext cx="11353800" cy="1325563"/>
+          </a:xfrm>
+          <a:prstGeom prst="rect">
+            <a:avLst/>
+          </a:prstGeom>
+        </p:spPr>
+        <p:txBody>
+          <a:bodyPr vert="horz" lIns="91440" tIns="45720" rIns="91440" bIns="45720" rtlCol="0" anchor="ctr">
+            <a:normAutofit/>
+          </a:bodyPr>
+          <a:lstStyle>
+            <a:lvl1pPr algn="l" defTabSz="914400" rtl="0" eaLnBrk="1" latinLnBrk="0" hangingPunct="1">
+              <a:lnSpc>
+                <a:spcPct val="90000"/>
+              </a:lnSpc>
+              <a:spcBef>
+                <a:spcPct val="0"/>
+              </a:spcBef>
+              <a:buNone/>
+              <a:defRPr sz="4400" kern="1200">
+                <a:solidFill>
+                  <a:schemeClr val="tx1"/>
+                </a:solidFill>
+                <a:latin typeface="+mj-lt"/>
+                <a:ea typeface="+mj-ea"/>
+                <a:cs typeface="+mj-cs"/>
+              </a:defRPr>
+            </a:lvl1pPr>
+          </a:lstStyle>
+          <a:p>
+            <a:r>
+              <a:rPr lang="pt-BR" dirty="0" smtClean="0">
+                <a:latin typeface="Times New Roman" panose="02020603050405020304" pitchFamily="18" charset="0"/>
+                <a:cs typeface="Times New Roman" panose="02020603050405020304" pitchFamily="18" charset="0"/>
+              </a:rPr>
+              <a:t>RN n.1 Categorias,  produtos e Adicionar Pedido</a:t>
+            </a:r>
+            <a:endParaRPr lang="pt-BR" dirty="0">
+              <a:latin typeface="Times New Roman" panose="02020603050405020304" pitchFamily="18" charset="0"/>
+              <a:cs typeface="Times New Roman" panose="02020603050405020304" pitchFamily="18" charset="0"/>
+            </a:endParaRPr>
+          </a:p>
+        </p:txBody>
+      </p:sp>
     </p:spTree>
     <p:extLst>
       <p:ext uri="{BB962C8B-B14F-4D97-AF65-F5344CB8AC3E}">
